--- a/Final-Defense Slide Template-PPT.pptx
+++ b/Final-Defense Slide Template-PPT.pptx
@@ -181,7 +181,7 @@
       </p:grpSpPr>
       <p:sp>
         <p:nvSpPr>
-          <p:cNvPr id="445382391" name="Header Placeholder 1"/>
+          <p:cNvPr id="882985020" name="Header Placeholder 1"/>
           <p:cNvSpPr>
             <a:spLocks noGrp="1"/>
           </p:cNvSpPr>
@@ -224,7 +224,7 @@
       </p:sp>
       <p:sp>
         <p:nvSpPr>
-          <p:cNvPr id="612378409" name="Date Placeholder 2"/>
+          <p:cNvPr id="1835592405" name="Date Placeholder 2"/>
           <p:cNvSpPr>
             <a:spLocks noGrp="1"/>
           </p:cNvSpPr>
@@ -271,7 +271,7 @@
       </p:sp>
       <p:sp>
         <p:nvSpPr>
-          <p:cNvPr id="963510208" name="Slide Image Placeholder 3"/>
+          <p:cNvPr id="839761887" name="Slide Image Placeholder 3"/>
           <p:cNvSpPr>
             <a:spLocks noChangeAspect="1" noGrp="1" noRot="1"/>
           </p:cNvSpPr>
@@ -307,7 +307,7 @@
       </p:sp>
       <p:sp>
         <p:nvSpPr>
-          <p:cNvPr id="1892991825" name="Notes Placeholder 4"/>
+          <p:cNvPr id="1764108514" name="Notes Placeholder 4"/>
           <p:cNvSpPr>
             <a:spLocks noGrp="1"/>
           </p:cNvSpPr>
@@ -383,7 +383,7 @@
       </p:sp>
       <p:sp>
         <p:nvSpPr>
-          <p:cNvPr id="1784352893" name="Footer Placeholder 5"/>
+          <p:cNvPr id="280500636" name="Footer Placeholder 5"/>
           <p:cNvSpPr>
             <a:spLocks noGrp="1"/>
           </p:cNvSpPr>
@@ -426,7 +426,7 @@
       </p:sp>
       <p:sp>
         <p:nvSpPr>
-          <p:cNvPr id="810914097" name="Slide Number Placeholder 6"/>
+          <p:cNvPr id="679656410" name="Slide Number Placeholder 6"/>
           <p:cNvSpPr>
             <a:spLocks noGrp="1"/>
           </p:cNvSpPr>
@@ -618,7 +618,7 @@
       </p:grpSpPr>
       <p:sp>
         <p:nvSpPr>
-          <p:cNvPr id="2" name="Slide Image Placeholder 1"/>
+          <p:cNvPr id="388590124" name="Slide Image Placeholder 1"/>
           <p:cNvSpPr>
             <a:spLocks noChangeAspect="1" noGrp="1" noRot="1"/>
           </p:cNvSpPr>
@@ -630,7 +630,7 @@
       </p:sp>
       <p:sp>
         <p:nvSpPr>
-          <p:cNvPr id="3" name="Notes Placeholder 2"/>
+          <p:cNvPr id="150709309" name="Notes Placeholder 2"/>
           <p:cNvSpPr>
             <a:spLocks noGrp="1"/>
           </p:cNvSpPr>
@@ -652,7 +652,7 @@
       </p:sp>
       <p:sp>
         <p:nvSpPr>
-          <p:cNvPr id="4" name="Slide Number Placeholder 3"/>
+          <p:cNvPr id="1614339667" name="Slide Number Placeholder 3"/>
           <p:cNvSpPr>
             <a:spLocks noGrp="1"/>
           </p:cNvSpPr>
@@ -703,7 +703,7 @@
       </p:grpSpPr>
       <p:sp>
         <p:nvSpPr>
-          <p:cNvPr id="198767751" name="Slide Image Placeholder 1"/>
+          <p:cNvPr id="1806102161" name="Slide Image Placeholder 1"/>
           <p:cNvSpPr>
             <a:spLocks noChangeAspect="1" noGrp="1" noRot="1"/>
           </p:cNvSpPr>
@@ -715,7 +715,7 @@
       </p:sp>
       <p:sp>
         <p:nvSpPr>
-          <p:cNvPr id="670105812" name="Notes Placeholder 2"/>
+          <p:cNvPr id="281683452" name="Notes Placeholder 2"/>
           <p:cNvSpPr>
             <a:spLocks noGrp="1"/>
           </p:cNvSpPr>
@@ -737,7 +737,7 @@
       </p:sp>
       <p:sp>
         <p:nvSpPr>
-          <p:cNvPr id="119097670" name="Slide Number Placeholder 3"/>
+          <p:cNvPr id="145983501" name="Slide Number Placeholder 3"/>
           <p:cNvSpPr>
             <a:spLocks noGrp="1"/>
           </p:cNvSpPr>
@@ -788,7 +788,7 @@
       </p:grpSpPr>
       <p:sp>
         <p:nvSpPr>
-          <p:cNvPr id="1601247300" name="Slide Image Placeholder 1"/>
+          <p:cNvPr id="1055872427" name="Slide Image Placeholder 1"/>
           <p:cNvSpPr>
             <a:spLocks noChangeAspect="1" noGrp="1" noRot="1"/>
           </p:cNvSpPr>
@@ -800,7 +800,7 @@
       </p:sp>
       <p:sp>
         <p:nvSpPr>
-          <p:cNvPr id="1741318479" name="Notes Placeholder 2"/>
+          <p:cNvPr id="192607860" name="Notes Placeholder 2"/>
           <p:cNvSpPr>
             <a:spLocks noGrp="1"/>
           </p:cNvSpPr>
@@ -822,7 +822,7 @@
       </p:sp>
       <p:sp>
         <p:nvSpPr>
-          <p:cNvPr id="134148761" name="Slide Number Placeholder 3"/>
+          <p:cNvPr id="105048315" name="Slide Number Placeholder 3"/>
           <p:cNvSpPr>
             <a:spLocks noGrp="1"/>
           </p:cNvSpPr>
@@ -873,7 +873,7 @@
       </p:grpSpPr>
       <p:sp>
         <p:nvSpPr>
-          <p:cNvPr id="235947702" name="Slide Image Placeholder 1"/>
+          <p:cNvPr id="2098465431" name="Slide Image Placeholder 1"/>
           <p:cNvSpPr>
             <a:spLocks noChangeAspect="1" noGrp="1" noRot="1"/>
           </p:cNvSpPr>
@@ -885,7 +885,7 @@
       </p:sp>
       <p:sp>
         <p:nvSpPr>
-          <p:cNvPr id="971318978" name="Notes Placeholder 2"/>
+          <p:cNvPr id="2131230318" name="Notes Placeholder 2"/>
           <p:cNvSpPr>
             <a:spLocks noGrp="1"/>
           </p:cNvSpPr>
@@ -907,7 +907,7 @@
       </p:sp>
       <p:sp>
         <p:nvSpPr>
-          <p:cNvPr id="1084577551" name="Slide Number Placeholder 3"/>
+          <p:cNvPr id="1502890174" name="Slide Number Placeholder 3"/>
           <p:cNvSpPr>
             <a:spLocks noGrp="1"/>
           </p:cNvSpPr>
@@ -958,7 +958,7 @@
       </p:grpSpPr>
       <p:sp>
         <p:nvSpPr>
-          <p:cNvPr id="2" name="Slide Image Placeholder 1"/>
+          <p:cNvPr id="7762193" name="Slide Image Placeholder 1"/>
           <p:cNvSpPr>
             <a:spLocks noChangeAspect="1" noGrp="1" noRot="1"/>
           </p:cNvSpPr>
@@ -970,7 +970,7 @@
       </p:sp>
       <p:sp>
         <p:nvSpPr>
-          <p:cNvPr id="3" name="Notes Placeholder 2"/>
+          <p:cNvPr id="662620402" name="Notes Placeholder 2"/>
           <p:cNvSpPr>
             <a:spLocks noGrp="1"/>
           </p:cNvSpPr>
@@ -992,7 +992,7 @@
       </p:sp>
       <p:sp>
         <p:nvSpPr>
-          <p:cNvPr id="4" name="Slide Number Placeholder 3"/>
+          <p:cNvPr id="898326647" name="Slide Number Placeholder 3"/>
           <p:cNvSpPr>
             <a:spLocks noGrp="1"/>
           </p:cNvSpPr>
@@ -1043,7 +1043,7 @@
       </p:grpSpPr>
       <p:sp>
         <p:nvSpPr>
-          <p:cNvPr id="2" name="Slide Image Placeholder 1"/>
+          <p:cNvPr id="1339714643" name="Slide Image Placeholder 1"/>
           <p:cNvSpPr>
             <a:spLocks noChangeAspect="1" noGrp="1" noRot="1"/>
           </p:cNvSpPr>
@@ -1055,7 +1055,7 @@
       </p:sp>
       <p:sp>
         <p:nvSpPr>
-          <p:cNvPr id="3" name="Notes Placeholder 2"/>
+          <p:cNvPr id="622885101" name="Notes Placeholder 2"/>
           <p:cNvSpPr>
             <a:spLocks noGrp="1"/>
           </p:cNvSpPr>
@@ -1077,7 +1077,7 @@
       </p:sp>
       <p:sp>
         <p:nvSpPr>
-          <p:cNvPr id="4" name="Slide Number Placeholder 3"/>
+          <p:cNvPr id="1387037654" name="Slide Number Placeholder 3"/>
           <p:cNvSpPr>
             <a:spLocks noGrp="1"/>
           </p:cNvSpPr>
@@ -1128,7 +1128,7 @@
       </p:grpSpPr>
       <p:sp>
         <p:nvSpPr>
-          <p:cNvPr id="2" name="Slide Image Placeholder 1"/>
+          <p:cNvPr id="100477414" name="Slide Image Placeholder 1"/>
           <p:cNvSpPr>
             <a:spLocks noChangeAspect="1" noGrp="1" noRot="1"/>
           </p:cNvSpPr>
@@ -1140,7 +1140,7 @@
       </p:sp>
       <p:sp>
         <p:nvSpPr>
-          <p:cNvPr id="3" name="Notes Placeholder 2"/>
+          <p:cNvPr id="421773149" name="Notes Placeholder 2"/>
           <p:cNvSpPr>
             <a:spLocks noGrp="1"/>
           </p:cNvSpPr>
@@ -1162,7 +1162,7 @@
       </p:sp>
       <p:sp>
         <p:nvSpPr>
-          <p:cNvPr id="4" name="Slide Number Placeholder 3"/>
+          <p:cNvPr id="919686263" name="Slide Number Placeholder 3"/>
           <p:cNvSpPr>
             <a:spLocks noGrp="1"/>
           </p:cNvSpPr>
@@ -1213,7 +1213,7 @@
       </p:grpSpPr>
       <p:sp>
         <p:nvSpPr>
-          <p:cNvPr id="2" name="Slide Image Placeholder 1"/>
+          <p:cNvPr id="577509643" name="Slide Image Placeholder 1"/>
           <p:cNvSpPr>
             <a:spLocks noChangeAspect="1" noGrp="1" noRot="1"/>
           </p:cNvSpPr>
@@ -1225,7 +1225,7 @@
       </p:sp>
       <p:sp>
         <p:nvSpPr>
-          <p:cNvPr id="3" name="Notes Placeholder 2"/>
+          <p:cNvPr id="440905525" name="Notes Placeholder 2"/>
           <p:cNvSpPr>
             <a:spLocks noGrp="1"/>
           </p:cNvSpPr>
@@ -1247,7 +1247,7 @@
       </p:sp>
       <p:sp>
         <p:nvSpPr>
-          <p:cNvPr id="4" name="Slide Number Placeholder 3"/>
+          <p:cNvPr id="333261276" name="Slide Number Placeholder 3"/>
           <p:cNvSpPr>
             <a:spLocks noGrp="1"/>
           </p:cNvSpPr>
@@ -1298,7 +1298,7 @@
       </p:grpSpPr>
       <p:sp>
         <p:nvSpPr>
-          <p:cNvPr id="2" name="Slide Image Placeholder 1"/>
+          <p:cNvPr id="1784166265" name="Slide Image Placeholder 1"/>
           <p:cNvSpPr>
             <a:spLocks noChangeAspect="1" noGrp="1" noRot="1"/>
           </p:cNvSpPr>
@@ -1310,7 +1310,7 @@
       </p:sp>
       <p:sp>
         <p:nvSpPr>
-          <p:cNvPr id="3" name="Notes Placeholder 2"/>
+          <p:cNvPr id="1007192418" name="Notes Placeholder 2"/>
           <p:cNvSpPr>
             <a:spLocks noGrp="1"/>
           </p:cNvSpPr>
@@ -1332,7 +1332,7 @@
       </p:sp>
       <p:sp>
         <p:nvSpPr>
-          <p:cNvPr id="4" name="Slide Number Placeholder 3"/>
+          <p:cNvPr id="1090527378" name="Slide Number Placeholder 3"/>
           <p:cNvSpPr>
             <a:spLocks noGrp="1"/>
           </p:cNvSpPr>
@@ -1383,7 +1383,7 @@
       </p:grpSpPr>
       <p:sp>
         <p:nvSpPr>
-          <p:cNvPr id="2" name="Slide Image Placeholder 1"/>
+          <p:cNvPr id="1484701790" name="Slide Image Placeholder 1"/>
           <p:cNvSpPr>
             <a:spLocks noChangeAspect="1" noGrp="1" noRot="1"/>
           </p:cNvSpPr>
@@ -1395,7 +1395,7 @@
       </p:sp>
       <p:sp>
         <p:nvSpPr>
-          <p:cNvPr id="3" name="Notes Placeholder 2"/>
+          <p:cNvPr id="483740913" name="Notes Placeholder 2"/>
           <p:cNvSpPr>
             <a:spLocks noGrp="1"/>
           </p:cNvSpPr>
@@ -1417,7 +1417,7 @@
       </p:sp>
       <p:sp>
         <p:nvSpPr>
-          <p:cNvPr id="4" name="Slide Number Placeholder 3"/>
+          <p:cNvPr id="1991898812" name="Slide Number Placeholder 3"/>
           <p:cNvSpPr>
             <a:spLocks noGrp="1"/>
           </p:cNvSpPr>
@@ -1468,7 +1468,7 @@
       </p:grpSpPr>
       <p:sp>
         <p:nvSpPr>
-          <p:cNvPr id="2" name="Slide Image Placeholder 1"/>
+          <p:cNvPr id="431539239" name="Slide Image Placeholder 1"/>
           <p:cNvSpPr>
             <a:spLocks noChangeAspect="1" noGrp="1" noRot="1"/>
           </p:cNvSpPr>
@@ -1480,7 +1480,7 @@
       </p:sp>
       <p:sp>
         <p:nvSpPr>
-          <p:cNvPr id="3" name="Notes Placeholder 2"/>
+          <p:cNvPr id="1147343790" name="Notes Placeholder 2"/>
           <p:cNvSpPr>
             <a:spLocks noGrp="1"/>
           </p:cNvSpPr>
@@ -1502,7 +1502,7 @@
       </p:sp>
       <p:sp>
         <p:nvSpPr>
-          <p:cNvPr id="4" name="Slide Number Placeholder 3"/>
+          <p:cNvPr id="2052844802" name="Slide Number Placeholder 3"/>
           <p:cNvSpPr>
             <a:spLocks noGrp="1"/>
           </p:cNvSpPr>
@@ -1553,7 +1553,7 @@
       </p:grpSpPr>
       <p:sp>
         <p:nvSpPr>
-          <p:cNvPr id="2" name="Slide Image Placeholder 1"/>
+          <p:cNvPr id="1666502445" name="Slide Image Placeholder 1"/>
           <p:cNvSpPr>
             <a:spLocks noChangeAspect="1" noGrp="1" noRot="1"/>
           </p:cNvSpPr>
@@ -1565,7 +1565,7 @@
       </p:sp>
       <p:sp>
         <p:nvSpPr>
-          <p:cNvPr id="3" name="Notes Placeholder 2"/>
+          <p:cNvPr id="1719640331" name="Notes Placeholder 2"/>
           <p:cNvSpPr>
             <a:spLocks noGrp="1"/>
           </p:cNvSpPr>
@@ -1587,7 +1587,7 @@
       </p:sp>
       <p:sp>
         <p:nvSpPr>
-          <p:cNvPr id="4" name="Slide Number Placeholder 3"/>
+          <p:cNvPr id="1123276201" name="Slide Number Placeholder 3"/>
           <p:cNvSpPr>
             <a:spLocks noGrp="1"/>
           </p:cNvSpPr>
@@ -1638,7 +1638,7 @@
       </p:grpSpPr>
       <p:sp>
         <p:nvSpPr>
-          <p:cNvPr id="2" name="Slide Image Placeholder 1"/>
+          <p:cNvPr id="742095982" name="Slide Image Placeholder 1"/>
           <p:cNvSpPr>
             <a:spLocks noChangeAspect="1" noGrp="1" noRot="1"/>
           </p:cNvSpPr>
@@ -1650,7 +1650,7 @@
       </p:sp>
       <p:sp>
         <p:nvSpPr>
-          <p:cNvPr id="3" name="Notes Placeholder 2"/>
+          <p:cNvPr id="606357767" name="Notes Placeholder 2"/>
           <p:cNvSpPr>
             <a:spLocks noGrp="1"/>
           </p:cNvSpPr>
@@ -1672,7 +1672,7 @@
       </p:sp>
       <p:sp>
         <p:nvSpPr>
-          <p:cNvPr id="4" name="Slide Number Placeholder 3"/>
+          <p:cNvPr id="1720103970" name="Slide Number Placeholder 3"/>
           <p:cNvSpPr>
             <a:spLocks noGrp="1"/>
           </p:cNvSpPr>
@@ -1723,7 +1723,7 @@
       </p:grpSpPr>
       <p:sp>
         <p:nvSpPr>
-          <p:cNvPr id="2" name="Slide Image Placeholder 1"/>
+          <p:cNvPr id="1051278930" name="Slide Image Placeholder 1"/>
           <p:cNvSpPr>
             <a:spLocks noChangeAspect="1" noGrp="1" noRot="1"/>
           </p:cNvSpPr>
@@ -1735,7 +1735,7 @@
       </p:sp>
       <p:sp>
         <p:nvSpPr>
-          <p:cNvPr id="3" name="Notes Placeholder 2"/>
+          <p:cNvPr id="1713001131" name="Notes Placeholder 2"/>
           <p:cNvSpPr>
             <a:spLocks noGrp="1"/>
           </p:cNvSpPr>
@@ -1757,7 +1757,7 @@
       </p:sp>
       <p:sp>
         <p:nvSpPr>
-          <p:cNvPr id="4" name="Slide Number Placeholder 3"/>
+          <p:cNvPr id="996783394" name="Slide Number Placeholder 3"/>
           <p:cNvSpPr>
             <a:spLocks noGrp="1"/>
           </p:cNvSpPr>
@@ -1808,7 +1808,7 @@
       </p:grpSpPr>
       <p:sp>
         <p:nvSpPr>
-          <p:cNvPr id="2" name="Slide Image Placeholder 1"/>
+          <p:cNvPr id="506658295" name="Slide Image Placeholder 1"/>
           <p:cNvSpPr>
             <a:spLocks noChangeAspect="1" noGrp="1" noRot="1"/>
           </p:cNvSpPr>
@@ -1820,7 +1820,7 @@
       </p:sp>
       <p:sp>
         <p:nvSpPr>
-          <p:cNvPr id="3" name="Notes Placeholder 2"/>
+          <p:cNvPr id="570534846" name="Notes Placeholder 2"/>
           <p:cNvSpPr>
             <a:spLocks noGrp="1"/>
           </p:cNvSpPr>
@@ -1842,7 +1842,7 @@
       </p:sp>
       <p:sp>
         <p:nvSpPr>
-          <p:cNvPr id="4" name="Slide Number Placeholder 3"/>
+          <p:cNvPr id="1277382935" name="Slide Number Placeholder 3"/>
           <p:cNvSpPr>
             <a:spLocks noGrp="1"/>
           </p:cNvSpPr>
@@ -1893,7 +1893,7 @@
       </p:grpSpPr>
       <p:sp>
         <p:nvSpPr>
-          <p:cNvPr id="2" name="Slide Image Placeholder 1"/>
+          <p:cNvPr id="1617844562" name="Slide Image Placeholder 1"/>
           <p:cNvSpPr>
             <a:spLocks noChangeAspect="1" noGrp="1" noRot="1"/>
           </p:cNvSpPr>
@@ -1905,7 +1905,7 @@
       </p:sp>
       <p:sp>
         <p:nvSpPr>
-          <p:cNvPr id="3" name="Notes Placeholder 2"/>
+          <p:cNvPr id="953261923" name="Notes Placeholder 2"/>
           <p:cNvSpPr>
             <a:spLocks noGrp="1"/>
           </p:cNvSpPr>
@@ -1927,7 +1927,7 @@
       </p:sp>
       <p:sp>
         <p:nvSpPr>
-          <p:cNvPr id="4" name="Slide Number Placeholder 3"/>
+          <p:cNvPr id="1451512952" name="Slide Number Placeholder 3"/>
           <p:cNvSpPr>
             <a:spLocks noGrp="1"/>
           </p:cNvSpPr>
@@ -1978,7 +1978,7 @@
       </p:grpSpPr>
       <p:sp>
         <p:nvSpPr>
-          <p:cNvPr id="2" name="Slide Image Placeholder 1"/>
+          <p:cNvPr id="1860535136" name="Slide Image Placeholder 1"/>
           <p:cNvSpPr>
             <a:spLocks noChangeAspect="1" noGrp="1" noRot="1"/>
           </p:cNvSpPr>
@@ -1990,7 +1990,7 @@
       </p:sp>
       <p:sp>
         <p:nvSpPr>
-          <p:cNvPr id="3" name="Notes Placeholder 2"/>
+          <p:cNvPr id="1966037716" name="Notes Placeholder 2"/>
           <p:cNvSpPr>
             <a:spLocks noGrp="1"/>
           </p:cNvSpPr>
@@ -2012,7 +2012,7 @@
       </p:sp>
       <p:sp>
         <p:nvSpPr>
-          <p:cNvPr id="4" name="Slide Number Placeholder 3"/>
+          <p:cNvPr id="844066669" name="Slide Number Placeholder 3"/>
           <p:cNvSpPr>
             <a:spLocks noGrp="1"/>
           </p:cNvSpPr>
@@ -2063,7 +2063,7 @@
       </p:grpSpPr>
       <p:sp>
         <p:nvSpPr>
-          <p:cNvPr id="2" name="Slide Image Placeholder 1"/>
+          <p:cNvPr id="976521081" name="Slide Image Placeholder 1"/>
           <p:cNvSpPr>
             <a:spLocks noChangeAspect="1" noGrp="1" noRot="1"/>
           </p:cNvSpPr>
@@ -2075,7 +2075,7 @@
       </p:sp>
       <p:sp>
         <p:nvSpPr>
-          <p:cNvPr id="3" name="Notes Placeholder 2"/>
+          <p:cNvPr id="827022226" name="Notes Placeholder 2"/>
           <p:cNvSpPr>
             <a:spLocks noGrp="1"/>
           </p:cNvSpPr>
@@ -2097,7 +2097,7 @@
       </p:sp>
       <p:sp>
         <p:nvSpPr>
-          <p:cNvPr id="4" name="Slide Number Placeholder 3"/>
+          <p:cNvPr id="697850601" name="Slide Number Placeholder 3"/>
           <p:cNvSpPr>
             <a:spLocks noGrp="1"/>
           </p:cNvSpPr>
@@ -2148,7 +2148,7 @@
       </p:grpSpPr>
       <p:sp>
         <p:nvSpPr>
-          <p:cNvPr id="824858177" name="Title 1"/>
+          <p:cNvPr id="1500532733" name="Title 1"/>
           <p:cNvSpPr>
             <a:spLocks noGrp="1"/>
           </p:cNvSpPr>
@@ -2179,7 +2179,7 @@
       </p:sp>
       <p:sp>
         <p:nvSpPr>
-          <p:cNvPr id="198223311" name="Subtitle 2"/>
+          <p:cNvPr id="816979445" name="Subtitle 2"/>
           <p:cNvSpPr>
             <a:spLocks noGrp="1"/>
           </p:cNvSpPr>
@@ -2301,7 +2301,7 @@
       </p:sp>
       <p:sp>
         <p:nvSpPr>
-          <p:cNvPr id="241645877" name="Date Placeholder 3"/>
+          <p:cNvPr id="765033213" name="Date Placeholder 3"/>
           <p:cNvSpPr>
             <a:spLocks noGrp="1"/>
           </p:cNvSpPr>
@@ -2327,7 +2327,7 @@
       </p:sp>
       <p:sp>
         <p:nvSpPr>
-          <p:cNvPr id="334894832" name="Footer Placeholder 4"/>
+          <p:cNvPr id="1138243797" name="Footer Placeholder 4"/>
           <p:cNvSpPr>
             <a:spLocks noGrp="1"/>
           </p:cNvSpPr>
@@ -2349,7 +2349,7 @@
       </p:sp>
       <p:sp>
         <p:nvSpPr>
-          <p:cNvPr id="1692790968" name="Slide Number Placeholder 5"/>
+          <p:cNvPr id="1034839330" name="Slide Number Placeholder 5"/>
           <p:cNvSpPr>
             <a:spLocks noGrp="1"/>
           </p:cNvSpPr>
@@ -2401,7 +2401,7 @@
       </p:grpSpPr>
       <p:sp>
         <p:nvSpPr>
-          <p:cNvPr id="2109899043" name="Title 1"/>
+          <p:cNvPr id="1325973181" name="Title 1"/>
           <p:cNvSpPr>
             <a:spLocks noGrp="1"/>
           </p:cNvSpPr>
@@ -2427,7 +2427,7 @@
       </p:sp>
       <p:sp>
         <p:nvSpPr>
-          <p:cNvPr id="364934627" name="Vertical Text Placeholder 2"/>
+          <p:cNvPr id="793840748" name="Vertical Text Placeholder 2"/>
           <p:cNvSpPr>
             <a:spLocks noGrp="1"/>
           </p:cNvSpPr>
@@ -2493,7 +2493,7 @@
       </p:sp>
       <p:sp>
         <p:nvSpPr>
-          <p:cNvPr id="197458561" name="Date Placeholder 3"/>
+          <p:cNvPr id="490684552" name="Date Placeholder 3"/>
           <p:cNvSpPr>
             <a:spLocks noGrp="1"/>
           </p:cNvSpPr>
@@ -2519,7 +2519,7 @@
       </p:sp>
       <p:sp>
         <p:nvSpPr>
-          <p:cNvPr id="1505062963" name="Footer Placeholder 4"/>
+          <p:cNvPr id="1040675030" name="Footer Placeholder 4"/>
           <p:cNvSpPr>
             <a:spLocks noGrp="1"/>
           </p:cNvSpPr>
@@ -2541,7 +2541,7 @@
       </p:sp>
       <p:sp>
         <p:nvSpPr>
-          <p:cNvPr id="385154788" name="Slide Number Placeholder 5"/>
+          <p:cNvPr id="700939202" name="Slide Number Placeholder 5"/>
           <p:cNvSpPr>
             <a:spLocks noGrp="1"/>
           </p:cNvSpPr>
@@ -2593,7 +2593,7 @@
       </p:grpSpPr>
       <p:sp>
         <p:nvSpPr>
-          <p:cNvPr id="286248546" name="Vertical Title 1"/>
+          <p:cNvPr id="570771151" name="Vertical Title 1"/>
           <p:cNvSpPr>
             <a:spLocks noGrp="1"/>
           </p:cNvSpPr>
@@ -2624,7 +2624,7 @@
       </p:sp>
       <p:sp>
         <p:nvSpPr>
-          <p:cNvPr id="832933773" name="Vertical Text Placeholder 2"/>
+          <p:cNvPr id="1180518729" name="Vertical Text Placeholder 2"/>
           <p:cNvSpPr>
             <a:spLocks noGrp="1"/>
           </p:cNvSpPr>
@@ -2695,7 +2695,7 @@
       </p:sp>
       <p:sp>
         <p:nvSpPr>
-          <p:cNvPr id="1237511646" name="Date Placeholder 3"/>
+          <p:cNvPr id="700725385" name="Date Placeholder 3"/>
           <p:cNvSpPr>
             <a:spLocks noGrp="1"/>
           </p:cNvSpPr>
@@ -2721,7 +2721,7 @@
       </p:sp>
       <p:sp>
         <p:nvSpPr>
-          <p:cNvPr id="245488334" name="Footer Placeholder 4"/>
+          <p:cNvPr id="722288072" name="Footer Placeholder 4"/>
           <p:cNvSpPr>
             <a:spLocks noGrp="1"/>
           </p:cNvSpPr>
@@ -2743,7 +2743,7 @@
       </p:sp>
       <p:sp>
         <p:nvSpPr>
-          <p:cNvPr id="1371849737" name="Slide Number Placeholder 5"/>
+          <p:cNvPr id="2074351769" name="Slide Number Placeholder 5"/>
           <p:cNvSpPr>
             <a:spLocks noGrp="1"/>
           </p:cNvSpPr>
@@ -2795,7 +2795,7 @@
       </p:grpSpPr>
       <p:sp>
         <p:nvSpPr>
-          <p:cNvPr id="1182573107" name="Rectangle 5"/>
+          <p:cNvPr id="322681534" name="Rectangle 5"/>
           <p:cNvSpPr/>
           <p:nvPr/>
         </p:nvSpPr>
@@ -2843,7 +2843,7 @@
       </p:sp>
       <p:sp>
         <p:nvSpPr>
-          <p:cNvPr id="218225067" name="Title 1"/>
+          <p:cNvPr id="1465457308" name="Title 1"/>
           <p:cNvSpPr>
             <a:spLocks noGrp="1"/>
           </p:cNvSpPr>
@@ -2879,7 +2879,7 @@
       </p:sp>
       <p:sp>
         <p:nvSpPr>
-          <p:cNvPr id="730292590" name="Content Placeholder 8"/>
+          <p:cNvPr id="855254303" name="Content Placeholder 8"/>
           <p:cNvSpPr>
             <a:spLocks noGrp="1"/>
           </p:cNvSpPr>
@@ -2987,7 +2987,7 @@
       </p:sp>
       <p:sp>
         <p:nvSpPr>
-          <p:cNvPr id="1180942351" name="Date Placeholder 2"/>
+          <p:cNvPr id="957984997" name="Date Placeholder 2"/>
           <p:cNvSpPr>
             <a:spLocks noGrp="1"/>
           </p:cNvSpPr>
@@ -3017,7 +3017,7 @@
       </p:sp>
       <p:sp>
         <p:nvSpPr>
-          <p:cNvPr id="361879328" name="Footer Placeholder 3"/>
+          <p:cNvPr id="1715319405" name="Footer Placeholder 3"/>
           <p:cNvSpPr>
             <a:spLocks noGrp="1"/>
           </p:cNvSpPr>
@@ -3043,7 +3043,7 @@
       </p:sp>
       <p:sp>
         <p:nvSpPr>
-          <p:cNvPr id="1861036552" name="Slide Number Placeholder 4"/>
+          <p:cNvPr id="377951298" name="Slide Number Placeholder 4"/>
           <p:cNvSpPr>
             <a:spLocks noGrp="1"/>
           </p:cNvSpPr>
@@ -3073,7 +3073,7 @@
       </p:sp>
       <p:pic>
         <p:nvPicPr>
-          <p:cNvPr id="214790274" name="Picture 1"/>
+          <p:cNvPr id="749670709" name="Picture 1"/>
           <p:cNvPicPr>
             <a:picLocks noChangeAspect="1" noChangeArrowheads="1"/>
           </p:cNvPicPr>
@@ -3108,7 +3108,7 @@
       </p:pic>
       <p:sp>
         <p:nvSpPr>
-          <p:cNvPr id="845416774" name="Rectangle 11"/>
+          <p:cNvPr id="397508491" name="Rectangle 11"/>
           <p:cNvSpPr/>
           <p:nvPr userDrawn="1"/>
         </p:nvSpPr>
@@ -3160,7 +3160,7 @@
       </p:sp>
       <p:sp>
         <p:nvSpPr>
-          <p:cNvPr id="1673747235" name="Rectangle 12"/>
+          <p:cNvPr id="642888508" name="Rectangle 12"/>
           <p:cNvSpPr/>
           <p:nvPr userDrawn="1"/>
         </p:nvSpPr>
@@ -3233,7 +3233,7 @@
       </p:grpSpPr>
       <p:sp>
         <p:nvSpPr>
-          <p:cNvPr id="457671543" name="Rectangle 4"/>
+          <p:cNvPr id="645897787" name="Rectangle 4"/>
           <p:cNvSpPr/>
           <p:nvPr userDrawn="1"/>
         </p:nvSpPr>
@@ -3290,7 +3290,7 @@
       </p:sp>
       <p:pic>
         <p:nvPicPr>
-          <p:cNvPr id="1089641886" name="Picture 1"/>
+          <p:cNvPr id="685867710" name="Picture 1"/>
           <p:cNvPicPr>
             <a:picLocks noChangeAspect="1" noChangeArrowheads="1"/>
           </p:cNvPicPr>
@@ -3319,7 +3319,7 @@
       </p:pic>
       <p:sp>
         <p:nvSpPr>
-          <p:cNvPr id="1005387808" name="Rectangle 6"/>
+          <p:cNvPr id="1600963853" name="Rectangle 6"/>
           <p:cNvSpPr/>
           <p:nvPr userDrawn="1"/>
         </p:nvSpPr>
@@ -3369,7 +3369,7 @@
       </p:sp>
       <p:sp>
         <p:nvSpPr>
-          <p:cNvPr id="1099658371" name="Title 1"/>
+          <p:cNvPr id="1147668778" name="Title 1"/>
           <p:cNvSpPr>
             <a:spLocks noGrp="1"/>
           </p:cNvSpPr>
@@ -3412,7 +3412,7 @@
       </p:sp>
       <p:sp>
         <p:nvSpPr>
-          <p:cNvPr id="309442281" name="Subtitle 2"/>
+          <p:cNvPr id="1411283849" name="Subtitle 2"/>
           <p:cNvSpPr>
             <a:spLocks noGrp="1"/>
           </p:cNvSpPr>
@@ -3536,7 +3536,7 @@
       </p:sp>
       <p:sp>
         <p:nvSpPr>
-          <p:cNvPr id="2136656474" name="Date Placeholder 3"/>
+          <p:cNvPr id="318580305" name="Date Placeholder 3"/>
           <p:cNvSpPr>
             <a:spLocks noGrp="1"/>
           </p:cNvSpPr>
@@ -3566,7 +3566,7 @@
       </p:sp>
       <p:sp>
         <p:nvSpPr>
-          <p:cNvPr id="758948393" name="Footer Placeholder 4"/>
+          <p:cNvPr id="45337326" name="Footer Placeholder 4"/>
           <p:cNvSpPr>
             <a:spLocks noGrp="1"/>
           </p:cNvSpPr>
@@ -3592,7 +3592,7 @@
       </p:sp>
       <p:sp>
         <p:nvSpPr>
-          <p:cNvPr id="1249988519" name="Slide Number Placeholder 5"/>
+          <p:cNvPr id="1944444156" name="Slide Number Placeholder 5"/>
           <p:cNvSpPr>
             <a:spLocks noGrp="1"/>
           </p:cNvSpPr>
@@ -3647,7 +3647,7 @@
       </p:grpSpPr>
       <p:pic>
         <p:nvPicPr>
-          <p:cNvPr id="1931434243" name="Picture 1"/>
+          <p:cNvPr id="523061185" name="Picture 1"/>
           <p:cNvPicPr>
             <a:picLocks noChangeAspect="1" noChangeArrowheads="1"/>
           </p:cNvPicPr>
@@ -3676,7 +3676,7 @@
       </p:pic>
       <p:sp>
         <p:nvSpPr>
-          <p:cNvPr id="2009014236" name="Rectangle 4"/>
+          <p:cNvPr id="1092907091" name="Rectangle 4"/>
           <p:cNvSpPr/>
           <p:nvPr userDrawn="1"/>
         </p:nvSpPr>
@@ -3728,7 +3728,7 @@
       </p:sp>
       <p:sp>
         <p:nvSpPr>
-          <p:cNvPr id="941864642" name="Rectangle 5"/>
+          <p:cNvPr id="1364769157" name="Rectangle 5"/>
           <p:cNvSpPr/>
           <p:nvPr userDrawn="1"/>
         </p:nvSpPr>
@@ -3776,7 +3776,7 @@
       </p:sp>
       <p:sp>
         <p:nvSpPr>
-          <p:cNvPr id="487969504" name="Title 1"/>
+          <p:cNvPr id="1715316440" name="Title 1"/>
           <p:cNvSpPr>
             <a:spLocks noGrp="1"/>
           </p:cNvSpPr>
@@ -3812,7 +3812,7 @@
       </p:sp>
       <p:sp>
         <p:nvSpPr>
-          <p:cNvPr id="1068393664" name="Content Placeholder 8"/>
+          <p:cNvPr id="1043556422" name="Content Placeholder 8"/>
           <p:cNvSpPr>
             <a:spLocks noGrp="1"/>
           </p:cNvSpPr>
@@ -3920,7 +3920,7 @@
       </p:sp>
       <p:sp>
         <p:nvSpPr>
-          <p:cNvPr id="151625031" name="Date Placeholder 2"/>
+          <p:cNvPr id="1646084948" name="Date Placeholder 2"/>
           <p:cNvSpPr>
             <a:spLocks noGrp="1"/>
           </p:cNvSpPr>
@@ -3950,7 +3950,7 @@
       </p:sp>
       <p:sp>
         <p:nvSpPr>
-          <p:cNvPr id="784737572" name="Footer Placeholder 3"/>
+          <p:cNvPr id="1191574465" name="Footer Placeholder 3"/>
           <p:cNvSpPr>
             <a:spLocks noGrp="1"/>
           </p:cNvSpPr>
@@ -3976,7 +3976,7 @@
       </p:sp>
       <p:sp>
         <p:nvSpPr>
-          <p:cNvPr id="1613865865" name="Slide Number Placeholder 4"/>
+          <p:cNvPr id="2115653529" name="Slide Number Placeholder 4"/>
           <p:cNvSpPr>
             <a:spLocks noGrp="1"/>
           </p:cNvSpPr>
@@ -4031,7 +4031,7 @@
       </p:grpSpPr>
       <p:sp>
         <p:nvSpPr>
-          <p:cNvPr id="86355509" name="Title 1"/>
+          <p:cNvPr id="1313945128" name="Title 1"/>
           <p:cNvSpPr>
             <a:spLocks noGrp="1"/>
           </p:cNvSpPr>
@@ -4057,7 +4057,7 @@
       </p:sp>
       <p:sp>
         <p:nvSpPr>
-          <p:cNvPr id="798382503" name="Content Placeholder 2"/>
+          <p:cNvPr id="1151077265" name="Content Placeholder 2"/>
           <p:cNvSpPr>
             <a:spLocks noGrp="1"/>
           </p:cNvSpPr>
@@ -4123,7 +4123,7 @@
       </p:sp>
       <p:sp>
         <p:nvSpPr>
-          <p:cNvPr id="387973384" name="Date Placeholder 3"/>
+          <p:cNvPr id="1779255350" name="Date Placeholder 3"/>
           <p:cNvSpPr>
             <a:spLocks noGrp="1"/>
           </p:cNvSpPr>
@@ -4149,7 +4149,7 @@
       </p:sp>
       <p:sp>
         <p:nvSpPr>
-          <p:cNvPr id="60546062" name="Footer Placeholder 4"/>
+          <p:cNvPr id="2110667120" name="Footer Placeholder 4"/>
           <p:cNvSpPr>
             <a:spLocks noGrp="1"/>
           </p:cNvSpPr>
@@ -4171,7 +4171,7 @@
       </p:sp>
       <p:sp>
         <p:nvSpPr>
-          <p:cNvPr id="217024520" name="Slide Number Placeholder 5"/>
+          <p:cNvPr id="1041530431" name="Slide Number Placeholder 5"/>
           <p:cNvSpPr>
             <a:spLocks noGrp="1"/>
           </p:cNvSpPr>
@@ -4223,7 +4223,7 @@
       </p:grpSpPr>
       <p:sp>
         <p:nvSpPr>
-          <p:cNvPr id="1139026348" name="Title 1"/>
+          <p:cNvPr id="1626688476" name="Title 1"/>
           <p:cNvSpPr>
             <a:spLocks noGrp="1"/>
           </p:cNvSpPr>
@@ -4258,7 +4258,7 @@
       </p:sp>
       <p:sp>
         <p:nvSpPr>
-          <p:cNvPr id="182747350" name="Text Placeholder 2"/>
+          <p:cNvPr id="68458287" name="Text Placeholder 2"/>
           <p:cNvSpPr>
             <a:spLocks noGrp="1"/>
           </p:cNvSpPr>
@@ -4380,7 +4380,7 @@
       </p:sp>
       <p:sp>
         <p:nvSpPr>
-          <p:cNvPr id="1815911103" name="Date Placeholder 3"/>
+          <p:cNvPr id="1591148917" name="Date Placeholder 3"/>
           <p:cNvSpPr>
             <a:spLocks noGrp="1"/>
           </p:cNvSpPr>
@@ -4406,7 +4406,7 @@
       </p:sp>
       <p:sp>
         <p:nvSpPr>
-          <p:cNvPr id="1507692609" name="Footer Placeholder 4"/>
+          <p:cNvPr id="805400085" name="Footer Placeholder 4"/>
           <p:cNvSpPr>
             <a:spLocks noGrp="1"/>
           </p:cNvSpPr>
@@ -4428,7 +4428,7 @@
       </p:sp>
       <p:sp>
         <p:nvSpPr>
-          <p:cNvPr id="1242060381" name="Slide Number Placeholder 5"/>
+          <p:cNvPr id="61306264" name="Slide Number Placeholder 5"/>
           <p:cNvSpPr>
             <a:spLocks noGrp="1"/>
           </p:cNvSpPr>
@@ -4480,7 +4480,7 @@
       </p:grpSpPr>
       <p:sp>
         <p:nvSpPr>
-          <p:cNvPr id="2079738370" name="Title 1"/>
+          <p:cNvPr id="1412311300" name="Title 1"/>
           <p:cNvSpPr>
             <a:spLocks noGrp="1"/>
           </p:cNvSpPr>
@@ -4506,7 +4506,7 @@
       </p:sp>
       <p:sp>
         <p:nvSpPr>
-          <p:cNvPr id="911471556" name="Content Placeholder 2"/>
+          <p:cNvPr id="1494816808" name="Content Placeholder 2"/>
           <p:cNvSpPr>
             <a:spLocks noGrp="1"/>
           </p:cNvSpPr>
@@ -4605,7 +4605,7 @@
       </p:sp>
       <p:sp>
         <p:nvSpPr>
-          <p:cNvPr id="76564001" name="Content Placeholder 3"/>
+          <p:cNvPr id="1290039385" name="Content Placeholder 3"/>
           <p:cNvSpPr>
             <a:spLocks noGrp="1"/>
           </p:cNvSpPr>
@@ -4704,7 +4704,7 @@
       </p:sp>
       <p:sp>
         <p:nvSpPr>
-          <p:cNvPr id="204121692" name="Date Placeholder 4"/>
+          <p:cNvPr id="782639979" name="Date Placeholder 4"/>
           <p:cNvSpPr>
             <a:spLocks noGrp="1"/>
           </p:cNvSpPr>
@@ -4730,7 +4730,7 @@
       </p:sp>
       <p:sp>
         <p:nvSpPr>
-          <p:cNvPr id="1363534936" name="Footer Placeholder 5"/>
+          <p:cNvPr id="2127522149" name="Footer Placeholder 5"/>
           <p:cNvSpPr>
             <a:spLocks noGrp="1"/>
           </p:cNvSpPr>
@@ -4752,7 +4752,7 @@
       </p:sp>
       <p:sp>
         <p:nvSpPr>
-          <p:cNvPr id="2020794350" name="Slide Number Placeholder 6"/>
+          <p:cNvPr id="135740691" name="Slide Number Placeholder 6"/>
           <p:cNvSpPr>
             <a:spLocks noGrp="1"/>
           </p:cNvSpPr>
@@ -4804,7 +4804,7 @@
       </p:grpSpPr>
       <p:sp>
         <p:nvSpPr>
-          <p:cNvPr id="2063679780" name="Title 1"/>
+          <p:cNvPr id="428326941" name="Title 1"/>
           <p:cNvSpPr>
             <a:spLocks noGrp="1"/>
           </p:cNvSpPr>
@@ -4834,7 +4834,7 @@
       </p:sp>
       <p:sp>
         <p:nvSpPr>
-          <p:cNvPr id="706539051" name="Text Placeholder 2"/>
+          <p:cNvPr id="1453993169" name="Text Placeholder 2"/>
           <p:cNvSpPr>
             <a:spLocks noGrp="1"/>
           </p:cNvSpPr>
@@ -4902,7 +4902,7 @@
       </p:sp>
       <p:sp>
         <p:nvSpPr>
-          <p:cNvPr id="1008266231" name="Content Placeholder 3"/>
+          <p:cNvPr id="395894979" name="Content Placeholder 3"/>
           <p:cNvSpPr>
             <a:spLocks noGrp="1"/>
           </p:cNvSpPr>
@@ -5001,7 +5001,7 @@
       </p:sp>
       <p:sp>
         <p:nvSpPr>
-          <p:cNvPr id="1802960761" name="Text Placeholder 4"/>
+          <p:cNvPr id="1464961632" name="Text Placeholder 4"/>
           <p:cNvSpPr>
             <a:spLocks noGrp="1"/>
           </p:cNvSpPr>
@@ -5069,7 +5069,7 @@
       </p:sp>
       <p:sp>
         <p:nvSpPr>
-          <p:cNvPr id="1725145548" name="Content Placeholder 5"/>
+          <p:cNvPr id="1736069995" name="Content Placeholder 5"/>
           <p:cNvSpPr>
             <a:spLocks noGrp="1"/>
           </p:cNvSpPr>
@@ -5168,7 +5168,7 @@
       </p:sp>
       <p:sp>
         <p:nvSpPr>
-          <p:cNvPr id="1973258029" name="Date Placeholder 6"/>
+          <p:cNvPr id="124013075" name="Date Placeholder 6"/>
           <p:cNvSpPr>
             <a:spLocks noGrp="1"/>
           </p:cNvSpPr>
@@ -5194,7 +5194,7 @@
       </p:sp>
       <p:sp>
         <p:nvSpPr>
-          <p:cNvPr id="2105723368" name="Footer Placeholder 7"/>
+          <p:cNvPr id="382299725" name="Footer Placeholder 7"/>
           <p:cNvSpPr>
             <a:spLocks noGrp="1"/>
           </p:cNvSpPr>
@@ -5216,7 +5216,7 @@
       </p:sp>
       <p:sp>
         <p:nvSpPr>
-          <p:cNvPr id="1665968398" name="Slide Number Placeholder 8"/>
+          <p:cNvPr id="666463813" name="Slide Number Placeholder 8"/>
           <p:cNvSpPr>
             <a:spLocks noGrp="1"/>
           </p:cNvSpPr>
@@ -5268,7 +5268,7 @@
       </p:grpSpPr>
       <p:sp>
         <p:nvSpPr>
-          <p:cNvPr id="1448165401" name="Title 1"/>
+          <p:cNvPr id="242239017" name="Title 1"/>
           <p:cNvSpPr>
             <a:spLocks noGrp="1"/>
           </p:cNvSpPr>
@@ -5294,7 +5294,7 @@
       </p:sp>
       <p:sp>
         <p:nvSpPr>
-          <p:cNvPr id="378203724" name="Date Placeholder 2"/>
+          <p:cNvPr id="88364068" name="Date Placeholder 2"/>
           <p:cNvSpPr>
             <a:spLocks noGrp="1"/>
           </p:cNvSpPr>
@@ -5320,7 +5320,7 @@
       </p:sp>
       <p:sp>
         <p:nvSpPr>
-          <p:cNvPr id="1363160400" name="Footer Placeholder 3"/>
+          <p:cNvPr id="931068637" name="Footer Placeholder 3"/>
           <p:cNvSpPr>
             <a:spLocks noGrp="1"/>
           </p:cNvSpPr>
@@ -5342,7 +5342,7 @@
       </p:sp>
       <p:sp>
         <p:nvSpPr>
-          <p:cNvPr id="651516099" name="Slide Number Placeholder 4"/>
+          <p:cNvPr id="1013429419" name="Slide Number Placeholder 4"/>
           <p:cNvSpPr>
             <a:spLocks noGrp="1"/>
           </p:cNvSpPr>
@@ -5394,7 +5394,7 @@
       </p:grpSpPr>
       <p:sp>
         <p:nvSpPr>
-          <p:cNvPr id="1860203431" name="Date Placeholder 1"/>
+          <p:cNvPr id="2104937527" name="Date Placeholder 1"/>
           <p:cNvSpPr>
             <a:spLocks noGrp="1"/>
           </p:cNvSpPr>
@@ -5420,7 +5420,7 @@
       </p:sp>
       <p:sp>
         <p:nvSpPr>
-          <p:cNvPr id="1006338124" name="Footer Placeholder 2"/>
+          <p:cNvPr id="1843798248" name="Footer Placeholder 2"/>
           <p:cNvSpPr>
             <a:spLocks noGrp="1"/>
           </p:cNvSpPr>
@@ -5442,7 +5442,7 @@
       </p:sp>
       <p:sp>
         <p:nvSpPr>
-          <p:cNvPr id="207018290" name="Slide Number Placeholder 3"/>
+          <p:cNvPr id="1361016943" name="Slide Number Placeholder 3"/>
           <p:cNvSpPr>
             <a:spLocks noGrp="1"/>
           </p:cNvSpPr>
@@ -5494,7 +5494,7 @@
       </p:grpSpPr>
       <p:sp>
         <p:nvSpPr>
-          <p:cNvPr id="1891367653" name="Title 1"/>
+          <p:cNvPr id="1040618775" name="Title 1"/>
           <p:cNvSpPr>
             <a:spLocks noGrp="1"/>
           </p:cNvSpPr>
@@ -5529,7 +5529,7 @@
       </p:sp>
       <p:sp>
         <p:nvSpPr>
-          <p:cNvPr id="754841483" name="Content Placeholder 2"/>
+          <p:cNvPr id="1955165342" name="Content Placeholder 2"/>
           <p:cNvSpPr>
             <a:spLocks noGrp="1"/>
           </p:cNvSpPr>
@@ -5628,7 +5628,7 @@
       </p:sp>
       <p:sp>
         <p:nvSpPr>
-          <p:cNvPr id="56549480" name="Text Placeholder 3"/>
+          <p:cNvPr id="1507022967" name="Text Placeholder 3"/>
           <p:cNvSpPr>
             <a:spLocks noGrp="1"/>
           </p:cNvSpPr>
@@ -5696,7 +5696,7 @@
       </p:sp>
       <p:sp>
         <p:nvSpPr>
-          <p:cNvPr id="1027762237" name="Date Placeholder 4"/>
+          <p:cNvPr id="1595370476" name="Date Placeholder 4"/>
           <p:cNvSpPr>
             <a:spLocks noGrp="1"/>
           </p:cNvSpPr>
@@ -5722,7 +5722,7 @@
       </p:sp>
       <p:sp>
         <p:nvSpPr>
-          <p:cNvPr id="1966328348" name="Footer Placeholder 5"/>
+          <p:cNvPr id="1123533603" name="Footer Placeholder 5"/>
           <p:cNvSpPr>
             <a:spLocks noGrp="1"/>
           </p:cNvSpPr>
@@ -5744,7 +5744,7 @@
       </p:sp>
       <p:sp>
         <p:nvSpPr>
-          <p:cNvPr id="1218511508" name="Slide Number Placeholder 6"/>
+          <p:cNvPr id="794030835" name="Slide Number Placeholder 6"/>
           <p:cNvSpPr>
             <a:spLocks noGrp="1"/>
           </p:cNvSpPr>
@@ -5796,7 +5796,7 @@
       </p:grpSpPr>
       <p:sp>
         <p:nvSpPr>
-          <p:cNvPr id="1489722742" name="Title 1"/>
+          <p:cNvPr id="1980765684" name="Title 1"/>
           <p:cNvSpPr>
             <a:spLocks noGrp="1"/>
           </p:cNvSpPr>
@@ -5831,7 +5831,7 @@
       </p:sp>
       <p:sp>
         <p:nvSpPr>
-          <p:cNvPr id="637956986" name="Picture Placeholder 2"/>
+          <p:cNvPr id="194291293" name="Picture Placeholder 2"/>
           <p:cNvSpPr>
             <a:spLocks noGrp="1"/>
           </p:cNvSpPr>
@@ -5899,7 +5899,7 @@
       </p:sp>
       <p:sp>
         <p:nvSpPr>
-          <p:cNvPr id="1160105065" name="Text Placeholder 3"/>
+          <p:cNvPr id="324771901" name="Text Placeholder 3"/>
           <p:cNvSpPr>
             <a:spLocks noGrp="1"/>
           </p:cNvSpPr>
@@ -5967,7 +5967,7 @@
       </p:sp>
       <p:sp>
         <p:nvSpPr>
-          <p:cNvPr id="959024801" name="Date Placeholder 4"/>
+          <p:cNvPr id="943469026" name="Date Placeholder 4"/>
           <p:cNvSpPr>
             <a:spLocks noGrp="1"/>
           </p:cNvSpPr>
@@ -5993,7 +5993,7 @@
       </p:sp>
       <p:sp>
         <p:nvSpPr>
-          <p:cNvPr id="948992465" name="Footer Placeholder 5"/>
+          <p:cNvPr id="1868158750" name="Footer Placeholder 5"/>
           <p:cNvSpPr>
             <a:spLocks noGrp="1"/>
           </p:cNvSpPr>
@@ -6015,7 +6015,7 @@
       </p:sp>
       <p:sp>
         <p:nvSpPr>
-          <p:cNvPr id="20012455" name="Slide Number Placeholder 6"/>
+          <p:cNvPr id="395903347" name="Slide Number Placeholder 6"/>
           <p:cNvSpPr>
             <a:spLocks noGrp="1"/>
           </p:cNvSpPr>
@@ -6072,7 +6072,7 @@
       </p:grpSpPr>
       <p:sp>
         <p:nvSpPr>
-          <p:cNvPr id="1567273150" name="Title Placeholder 1"/>
+          <p:cNvPr id="1320309991" name="Title Placeholder 1"/>
           <p:cNvSpPr>
             <a:spLocks noGrp="1"/>
           </p:cNvSpPr>
@@ -6108,7 +6108,7 @@
       </p:sp>
       <p:sp>
         <p:nvSpPr>
-          <p:cNvPr id="2039454270" name="Text Placeholder 2"/>
+          <p:cNvPr id="380185330" name="Text Placeholder 2"/>
           <p:cNvSpPr>
             <a:spLocks noGrp="1"/>
           </p:cNvSpPr>
@@ -6184,7 +6184,7 @@
       </p:sp>
       <p:sp>
         <p:nvSpPr>
-          <p:cNvPr id="117977052" name="Date Placeholder 3"/>
+          <p:cNvPr id="1122122927" name="Date Placeholder 3"/>
           <p:cNvSpPr>
             <a:spLocks noGrp="1"/>
           </p:cNvSpPr>
@@ -6228,7 +6228,7 @@
       </p:sp>
       <p:sp>
         <p:nvSpPr>
-          <p:cNvPr id="1529677286" name="Footer Placeholder 4"/>
+          <p:cNvPr id="856861638" name="Footer Placeholder 4"/>
           <p:cNvSpPr>
             <a:spLocks noGrp="1"/>
           </p:cNvSpPr>
@@ -6268,7 +6268,7 @@
       </p:sp>
       <p:sp>
         <p:nvSpPr>
-          <p:cNvPr id="1257937654" name="Slide Number Placeholder 5"/>
+          <p:cNvPr id="461138692" name="Slide Number Placeholder 5"/>
           <p:cNvSpPr>
             <a:spLocks noGrp="1"/>
           </p:cNvSpPr>
@@ -6602,7 +6602,7 @@
       </p:grpSpPr>
       <p:sp>
         <p:nvSpPr>
-          <p:cNvPr id="109386973" name="TextBox 1"/>
+          <p:cNvPr id="744759990" name="TextBox 1"/>
           <p:cNvSpPr txBox="1"/>
           <p:nvPr/>
         </p:nvSpPr>
@@ -6641,7 +6641,7 @@
       </p:sp>
       <p:sp>
         <p:nvSpPr>
-          <p:cNvPr id="1943464691" name="Title 3"/>
+          <p:cNvPr id="2021804539" name="Title 3"/>
           <p:cNvSpPr>
             <a:spLocks noGrp="1"/>
           </p:cNvSpPr>
@@ -6681,7 +6681,7 @@
       </p:sp>
       <p:pic>
         <p:nvPicPr>
-          <p:cNvPr id="2006219306" name=""/>
+          <p:cNvPr id="1339771994" name=""/>
           <p:cNvPicPr>
             <a:picLocks noChangeAspect="1"/>
           </p:cNvPicPr>
@@ -6703,7 +6703,7 @@
       </p:pic>
       <p:sp>
         <p:nvSpPr>
-          <p:cNvPr id="1473269479" name="Subtitle 4"/>
+          <p:cNvPr id="924617526" name="Subtitle 4"/>
           <p:cNvSpPr>
             <a:spLocks noGrp="1"/>
           </p:cNvSpPr>
@@ -6938,7 +6938,7 @@
       </p:sp>
       <p:sp>
         <p:nvSpPr>
-          <p:cNvPr id="63586500" name="Text Placeholder 5"/>
+          <p:cNvPr id="1276789255" name="Text Placeholder 5"/>
           <p:cNvSpPr>
             <a:spLocks noGrp="1"/>
           </p:cNvSpPr>
@@ -6947,7 +6947,7 @@
         <p:spPr bwMode="auto">
           <a:xfrm>
             <a:off x="6532417" y="3853294"/>
-            <a:ext cx="4648198" cy="2362197"/>
+            <a:ext cx="4648197" cy="2362197"/>
           </a:xfrm>
         </p:spPr>
         <p:txBody>
@@ -7270,10 +7270,14 @@
   </p:clrMapOvr>
   <mc:AlternateContent xmlns:mc="http://schemas.openxmlformats.org/markup-compatibility/2006">
     <mc:Choice xmlns:p159="http://schemas.microsoft.com/office/powerpoint/2015/09/main" xmlns:p14="http://schemas.microsoft.com/office/powerpoint/2010/main" Requires="p159">
-      <p:transition p14:dur="2000" advClick="1"/>
+      <p:transition spd="slow" p14:dur="2000" advClick="1">
+        <p:fade thruBlk="0"/>
+      </p:transition>
     </mc:Choice>
     <mc:Fallback>
-      <p:transition advClick="1"/>
+      <p:transition spd="slow" advClick="1">
+        <p:fade thruBlk="0"/>
+      </p:transition>
     </mc:Fallback>
   </mc:AlternateContent>
 </p:sld>
@@ -7298,7 +7302,7 @@
       </p:grpSpPr>
       <p:sp>
         <p:nvSpPr>
-          <p:cNvPr id="1237870351" name="Title 1"/>
+          <p:cNvPr id="1184879821" name="Title 1"/>
           <p:cNvSpPr>
             <a:spLocks noGrp="1"/>
           </p:cNvSpPr>
@@ -7339,7 +7343,7 @@
       </p:sp>
       <p:sp>
         <p:nvSpPr>
-          <p:cNvPr id="351566016" name="Slide Number Placeholder 3"/>
+          <p:cNvPr id="1553914979" name="Slide Number Placeholder 3"/>
           <p:cNvSpPr>
             <a:spLocks noGrp="1"/>
           </p:cNvSpPr>
@@ -7350,7 +7354,7 @@
         <p:spPr bwMode="auto">
           <a:xfrm>
             <a:off x="9347199" y="6017675"/>
-            <a:ext cx="2844799" cy="365124"/>
+            <a:ext cx="2844798" cy="365124"/>
           </a:xfrm>
         </p:spPr>
         <p:txBody>
@@ -7370,7 +7374,7 @@
       </p:sp>
       <p:sp>
         <p:nvSpPr>
-          <p:cNvPr id="754499087" name="TextBox 4"/>
+          <p:cNvPr id="714071429" name="TextBox 4"/>
           <p:cNvSpPr txBox="1"/>
           <p:nvPr/>
         </p:nvSpPr>
@@ -7409,7 +7413,7 @@
       </p:sp>
       <p:pic>
         <p:nvPicPr>
-          <p:cNvPr id="1816253722" name=""/>
+          <p:cNvPr id="494808679" name=""/>
           <p:cNvPicPr>
             <a:picLocks noChangeAspect="1"/>
           </p:cNvPicPr>
@@ -7439,7 +7443,7 @@
       </p:pic>
       <p:pic>
         <p:nvPicPr>
-          <p:cNvPr id="269924661" name=""/>
+          <p:cNvPr id="1631648100" name=""/>
           <p:cNvPicPr>
             <a:picLocks noChangeAspect="1"/>
           </p:cNvPicPr>
@@ -7474,10 +7478,14 @@
   </p:clrMapOvr>
   <mc:AlternateContent xmlns:mc="http://schemas.openxmlformats.org/markup-compatibility/2006">
     <mc:Choice xmlns:p159="http://schemas.microsoft.com/office/powerpoint/2015/09/main" xmlns:p14="http://schemas.microsoft.com/office/powerpoint/2010/main" Requires="p159">
-      <p:transition p14:dur="2000" advClick="1"/>
+      <p:transition spd="slow" p14:dur="2000" advClick="1">
+        <p:pull dir="d"/>
+      </p:transition>
     </mc:Choice>
     <mc:Fallback>
-      <p:transition advClick="1"/>
+      <p:transition spd="slow" advClick="1">
+        <p:pull dir="d"/>
+      </p:transition>
     </mc:Fallback>
   </mc:AlternateContent>
 </p:sld>
@@ -7502,7 +7510,7 @@
       </p:grpSpPr>
       <p:sp>
         <p:nvSpPr>
-          <p:cNvPr id="705869852" name="Title 1"/>
+          <p:cNvPr id="1099715943" name="Title 1"/>
           <p:cNvSpPr>
             <a:spLocks noGrp="1"/>
           </p:cNvSpPr>
@@ -7543,7 +7551,7 @@
       </p:sp>
       <p:sp>
         <p:nvSpPr>
-          <p:cNvPr id="1433920174" name="Slide Number Placeholder 3"/>
+          <p:cNvPr id="1546614033" name="Slide Number Placeholder 3"/>
           <p:cNvSpPr>
             <a:spLocks noGrp="1"/>
           </p:cNvSpPr>
@@ -7554,7 +7562,7 @@
         <p:spPr bwMode="auto">
           <a:xfrm>
             <a:off x="9347199" y="6017675"/>
-            <a:ext cx="2844799" cy="365124"/>
+            <a:ext cx="2844798" cy="365124"/>
           </a:xfrm>
         </p:spPr>
         <p:txBody>
@@ -7574,7 +7582,7 @@
       </p:sp>
       <p:sp>
         <p:nvSpPr>
-          <p:cNvPr id="2081394675" name="TextBox 4"/>
+          <p:cNvPr id="2109529928" name="TextBox 4"/>
           <p:cNvSpPr txBox="1"/>
           <p:nvPr/>
         </p:nvSpPr>
@@ -7613,7 +7621,7 @@
       </p:sp>
       <p:pic>
         <p:nvPicPr>
-          <p:cNvPr id="1165373518" name=""/>
+          <p:cNvPr id="1435842737" name=""/>
           <p:cNvPicPr>
             <a:picLocks noChangeAspect="1"/>
           </p:cNvPicPr>
@@ -7643,7 +7651,7 @@
       </p:pic>
       <p:pic>
         <p:nvPicPr>
-          <p:cNvPr id="326390381" name=""/>
+          <p:cNvPr id="1801586487" name=""/>
           <p:cNvPicPr>
             <a:picLocks noChangeAspect="1"/>
           </p:cNvPicPr>
@@ -7678,10 +7686,14 @@
   </p:clrMapOvr>
   <mc:AlternateContent xmlns:mc="http://schemas.openxmlformats.org/markup-compatibility/2006">
     <mc:Choice xmlns:p159="http://schemas.microsoft.com/office/powerpoint/2015/09/main" xmlns:p14="http://schemas.microsoft.com/office/powerpoint/2010/main" Requires="p159">
-      <p:transition p14:dur="2000" advClick="1"/>
+      <p:transition spd="slow" p14:dur="2000" advClick="1">
+        <p:cover dir="u"/>
+      </p:transition>
     </mc:Choice>
     <mc:Fallback>
-      <p:transition advClick="1"/>
+      <p:transition spd="slow" advClick="1">
+        <p:cover dir="u"/>
+      </p:transition>
     </mc:Fallback>
   </mc:AlternateContent>
 </p:sld>
@@ -7706,7 +7718,7 @@
       </p:grpSpPr>
       <p:sp>
         <p:nvSpPr>
-          <p:cNvPr id="1977394776" name="Title 1"/>
+          <p:cNvPr id="1748597837" name="Title 1"/>
           <p:cNvSpPr>
             <a:spLocks noGrp="1"/>
           </p:cNvSpPr>
@@ -7747,7 +7759,7 @@
       </p:sp>
       <p:sp>
         <p:nvSpPr>
-          <p:cNvPr id="90492033" name="Slide Number Placeholder 3"/>
+          <p:cNvPr id="484443732" name="Slide Number Placeholder 3"/>
           <p:cNvSpPr>
             <a:spLocks noGrp="1"/>
           </p:cNvSpPr>
@@ -7758,7 +7770,7 @@
         <p:spPr bwMode="auto">
           <a:xfrm>
             <a:off x="9347199" y="6017675"/>
-            <a:ext cx="2844799" cy="365124"/>
+            <a:ext cx="2844798" cy="365124"/>
           </a:xfrm>
         </p:spPr>
         <p:txBody>
@@ -7778,7 +7790,7 @@
       </p:sp>
       <p:sp>
         <p:nvSpPr>
-          <p:cNvPr id="923549063" name="TextBox 4"/>
+          <p:cNvPr id="1384392069" name="TextBox 4"/>
           <p:cNvSpPr txBox="1"/>
           <p:nvPr/>
         </p:nvSpPr>
@@ -7817,7 +7829,7 @@
       </p:sp>
       <p:pic>
         <p:nvPicPr>
-          <p:cNvPr id="425108396" name=""/>
+          <p:cNvPr id="776879488" name=""/>
           <p:cNvPicPr>
             <a:picLocks noChangeAspect="1"/>
           </p:cNvPicPr>
@@ -7844,10 +7856,14 @@
   </p:clrMapOvr>
   <mc:AlternateContent xmlns:mc="http://schemas.openxmlformats.org/markup-compatibility/2006">
     <mc:Choice xmlns:p159="http://schemas.microsoft.com/office/powerpoint/2015/09/main" xmlns:p14="http://schemas.microsoft.com/office/powerpoint/2010/main" Requires="p159">
-      <p:transition p14:dur="2000" advClick="1"/>
+      <p:transition spd="slow" p14:dur="2000" advClick="1">
+        <p14:warp dir="in"/>
+      </p:transition>
     </mc:Choice>
     <mc:Fallback>
-      <p:transition advClick="1"/>
+      <p:transition spd="slow" advClick="1">
+        <p:fade/>
+      </p:transition>
     </mc:Fallback>
   </mc:AlternateContent>
 </p:sld>
@@ -7872,7 +7888,7 @@
       </p:grpSpPr>
       <p:sp>
         <p:nvSpPr>
-          <p:cNvPr id="66396964" name="Title 1"/>
+          <p:cNvPr id="579736287" name="Title 1"/>
           <p:cNvSpPr>
             <a:spLocks noGrp="1"/>
           </p:cNvSpPr>
@@ -7909,7 +7925,7 @@
       </p:sp>
       <p:sp>
         <p:nvSpPr>
-          <p:cNvPr id="792619398" name="Slide Number Placeholder 3"/>
+          <p:cNvPr id="1447066567" name="Slide Number Placeholder 3"/>
           <p:cNvSpPr>
             <a:spLocks noGrp="1"/>
           </p:cNvSpPr>
@@ -7940,7 +7956,7 @@
       </p:sp>
       <p:sp>
         <p:nvSpPr>
-          <p:cNvPr id="2037560070" name="TextBox 2"/>
+          <p:cNvPr id="233348478" name="TextBox 2"/>
           <p:cNvSpPr txBox="1"/>
           <p:nvPr/>
         </p:nvSpPr>
@@ -7979,7 +7995,7 @@
       </p:sp>
       <p:sp>
         <p:nvSpPr>
-          <p:cNvPr id="297655501" name="Content Placeholder 2"/>
+          <p:cNvPr id="621610892" name="Content Placeholder 2"/>
           <p:cNvSpPr>
             <a:spLocks noGrp="1"/>
           </p:cNvSpPr>
@@ -8114,10 +8130,14 @@
   </p:clrMapOvr>
   <mc:AlternateContent xmlns:mc="http://schemas.openxmlformats.org/markup-compatibility/2006">
     <mc:Choice xmlns:p159="http://schemas.microsoft.com/office/powerpoint/2015/09/main" xmlns:p14="http://schemas.microsoft.com/office/powerpoint/2010/main" Requires="p159">
-      <p:transition p14:dur="2000" advClick="1"/>
+      <p:transition spd="slow" p14:dur="2000" advClick="1">
+        <p14:warp dir="out"/>
+      </p:transition>
     </mc:Choice>
     <mc:Fallback>
-      <p:transition advClick="1"/>
+      <p:transition spd="slow" advClick="1">
+        <p:fade/>
+      </p:transition>
     </mc:Fallback>
   </mc:AlternateContent>
 </p:sld>
@@ -8142,7 +8162,7 @@
       </p:grpSpPr>
       <p:sp>
         <p:nvSpPr>
-          <p:cNvPr id="853487458" name="Title 1"/>
+          <p:cNvPr id="404283675" name="Title 1"/>
           <p:cNvSpPr>
             <a:spLocks noGrp="1"/>
           </p:cNvSpPr>
@@ -8181,7 +8201,7 @@
       </p:sp>
       <p:sp>
         <p:nvSpPr>
-          <p:cNvPr id="687093581" name="Slide Number Placeholder 3"/>
+          <p:cNvPr id="1058478134" name="Slide Number Placeholder 3"/>
           <p:cNvSpPr>
             <a:spLocks noGrp="1"/>
           </p:cNvSpPr>
@@ -8212,7 +8232,7 @@
       </p:sp>
       <p:sp>
         <p:nvSpPr>
-          <p:cNvPr id="1197658838" name="TextBox 2"/>
+          <p:cNvPr id="1798923347" name="TextBox 2"/>
           <p:cNvSpPr txBox="1"/>
           <p:nvPr/>
         </p:nvSpPr>
@@ -8251,7 +8271,7 @@
       </p:sp>
       <p:pic>
         <p:nvPicPr>
-          <p:cNvPr id="1903217973" name=""/>
+          <p:cNvPr id="433589132" name=""/>
           <p:cNvPicPr>
             <a:picLocks noChangeAspect="1"/>
           </p:cNvPicPr>
@@ -8273,7 +8293,7 @@
       </p:pic>
       <p:sp>
         <p:nvSpPr>
-          <p:cNvPr id="922003" name="Content Placeholder 2"/>
+          <p:cNvPr id="1930430625" name="Content Placeholder 2"/>
           <p:cNvSpPr>
             <a:spLocks noGrp="1"/>
           </p:cNvSpPr>
@@ -8319,10 +8339,14 @@
   </p:clrMapOvr>
   <mc:AlternateContent xmlns:mc="http://schemas.openxmlformats.org/markup-compatibility/2006">
     <mc:Choice xmlns:p159="http://schemas.microsoft.com/office/powerpoint/2015/09/main" xmlns:p14="http://schemas.microsoft.com/office/powerpoint/2010/main" Requires="p159">
-      <p:transition p14:dur="2000" advClick="1"/>
+      <p:transition spd="slow" p14:dur="2000" advClick="1">
+        <p:push dir="d"/>
+      </p:transition>
     </mc:Choice>
     <mc:Fallback>
-      <p:transition advClick="1"/>
+      <p:transition spd="slow" advClick="1">
+        <p:push dir="d"/>
+      </p:transition>
     </mc:Fallback>
   </mc:AlternateContent>
 </p:sld>
@@ -8347,7 +8371,7 @@
       </p:grpSpPr>
       <p:sp>
         <p:nvSpPr>
-          <p:cNvPr id="1372405307" name="Title 1"/>
+          <p:cNvPr id="484412616" name="Title 1"/>
           <p:cNvSpPr>
             <a:spLocks noGrp="1"/>
           </p:cNvSpPr>
@@ -8390,7 +8414,7 @@
       </p:sp>
       <p:sp>
         <p:nvSpPr>
-          <p:cNvPr id="1024215891" name="Slide Number Placeholder 3"/>
+          <p:cNvPr id="569985244" name="Slide Number Placeholder 3"/>
           <p:cNvSpPr>
             <a:spLocks noGrp="1"/>
           </p:cNvSpPr>
@@ -8421,7 +8445,7 @@
       </p:sp>
       <p:sp>
         <p:nvSpPr>
-          <p:cNvPr id="567933080" name="TextBox 2"/>
+          <p:cNvPr id="1145203364" name="TextBox 2"/>
           <p:cNvSpPr txBox="1"/>
           <p:nvPr/>
         </p:nvSpPr>
@@ -8460,7 +8484,7 @@
       </p:sp>
       <p:pic>
         <p:nvPicPr>
-          <p:cNvPr id="161268852" name=""/>
+          <p:cNvPr id="1956857380" name=""/>
           <p:cNvPicPr>
             <a:picLocks noChangeAspect="1"/>
           </p:cNvPicPr>
@@ -8487,10 +8511,14 @@
   </p:clrMapOvr>
   <mc:AlternateContent xmlns:mc="http://schemas.openxmlformats.org/markup-compatibility/2006">
     <mc:Choice xmlns:p159="http://schemas.microsoft.com/office/powerpoint/2015/09/main" xmlns:p14="http://schemas.microsoft.com/office/powerpoint/2010/main" Requires="p159">
-      <p:transition p14:dur="2000" advClick="1"/>
+      <p:transition spd="slow" p14:dur="2000" advClick="1">
+        <p:push dir="u"/>
+      </p:transition>
     </mc:Choice>
     <mc:Fallback>
-      <p:transition advClick="1"/>
+      <p:transition spd="slow" advClick="1">
+        <p:push dir="u"/>
+      </p:transition>
     </mc:Fallback>
   </mc:AlternateContent>
 </p:sld>
@@ -8515,7 +8543,7 @@
       </p:grpSpPr>
       <p:sp>
         <p:nvSpPr>
-          <p:cNvPr id="1595754823" name="Title 1"/>
+          <p:cNvPr id="658280371" name="Title 1"/>
           <p:cNvSpPr>
             <a:spLocks noGrp="1"/>
           </p:cNvSpPr>
@@ -8556,7 +8584,7 @@
       </p:sp>
       <p:sp>
         <p:nvSpPr>
-          <p:cNvPr id="1857563098" name="Slide Number Placeholder 3"/>
+          <p:cNvPr id="1574682208" name="Slide Number Placeholder 3"/>
           <p:cNvSpPr>
             <a:spLocks noGrp="1"/>
           </p:cNvSpPr>
@@ -8587,7 +8615,7 @@
       </p:sp>
       <p:sp>
         <p:nvSpPr>
-          <p:cNvPr id="769146183" name="TextBox 4"/>
+          <p:cNvPr id="911381161" name="TextBox 4"/>
           <p:cNvSpPr txBox="1"/>
           <p:nvPr/>
         </p:nvSpPr>
@@ -8626,7 +8654,7 @@
       </p:sp>
       <p:sp>
         <p:nvSpPr>
-          <p:cNvPr id="1359741456" name="Content Placeholder 2"/>
+          <p:cNvPr id="947239829" name="Content Placeholder 2"/>
           <p:cNvSpPr>
             <a:spLocks noGrp="1"/>
           </p:cNvSpPr>
@@ -8675,10 +8703,14 @@
   </p:clrMapOvr>
   <mc:AlternateContent xmlns:mc="http://schemas.openxmlformats.org/markup-compatibility/2006">
     <mc:Choice xmlns:p159="http://schemas.microsoft.com/office/powerpoint/2015/09/main" xmlns:p14="http://schemas.microsoft.com/office/powerpoint/2010/main" Requires="p159">
-      <p:transition p14:dur="2000" advClick="1"/>
+      <p:transition spd="slow" p14:dur="2000" advClick="1">
+        <p:strips dir="rd"/>
+      </p:transition>
     </mc:Choice>
     <mc:Fallback>
-      <p:transition advClick="1"/>
+      <p:transition spd="slow" advClick="1">
+        <p:strips dir="rd"/>
+      </p:transition>
     </mc:Fallback>
   </mc:AlternateContent>
 </p:sld>
@@ -8703,7 +8735,7 @@
       </p:grpSpPr>
       <p:sp>
         <p:nvSpPr>
-          <p:cNvPr id="1566373782" name="Title 1"/>
+          <p:cNvPr id="535381763" name="Title 1"/>
           <p:cNvSpPr>
             <a:spLocks noGrp="1"/>
           </p:cNvSpPr>
@@ -8744,7 +8776,7 @@
       </p:sp>
       <p:sp>
         <p:nvSpPr>
-          <p:cNvPr id="1170536194" name="Slide Number Placeholder 3"/>
+          <p:cNvPr id="1377108924" name="Slide Number Placeholder 3"/>
           <p:cNvSpPr>
             <a:spLocks noGrp="1"/>
           </p:cNvSpPr>
@@ -8775,7 +8807,7 @@
       </p:sp>
       <p:sp>
         <p:nvSpPr>
-          <p:cNvPr id="1786514086" name="TextBox 4"/>
+          <p:cNvPr id="900923721" name="TextBox 4"/>
           <p:cNvSpPr txBox="1"/>
           <p:nvPr/>
         </p:nvSpPr>
@@ -8814,7 +8846,7 @@
       </p:sp>
       <p:sp>
         <p:nvSpPr>
-          <p:cNvPr id="1673331919" name="Content Placeholder 2"/>
+          <p:cNvPr id="712495804" name="Content Placeholder 2"/>
           <p:cNvSpPr>
             <a:spLocks noGrp="1"/>
           </p:cNvSpPr>
@@ -8824,7 +8856,7 @@
         </p:nvSpPr>
         <p:spPr bwMode="auto">
           <a:xfrm>
-            <a:off x="533398" y="1676398"/>
+            <a:off x="533398" y="1676397"/>
             <a:ext cx="11048998" cy="3962398"/>
           </a:xfrm>
         </p:spPr>
@@ -9200,10 +9232,14 @@
   </p:clrMapOvr>
   <mc:AlternateContent xmlns:mc="http://schemas.openxmlformats.org/markup-compatibility/2006">
     <mc:Choice xmlns:p159="http://schemas.microsoft.com/office/powerpoint/2015/09/main" xmlns:p14="http://schemas.microsoft.com/office/powerpoint/2010/main" Requires="p159">
-      <p:transition p14:dur="2000" advClick="1"/>
+      <p:transition spd="slow" p14:dur="2000" advClick="1">
+        <p:strips dir="lu"/>
+      </p:transition>
     </mc:Choice>
     <mc:Fallback>
-      <p:transition advClick="1"/>
+      <p:transition spd="slow" advClick="1">
+        <p:strips dir="lu"/>
+      </p:transition>
     </mc:Fallback>
   </mc:AlternateContent>
 </p:sld>
@@ -9228,38 +9264,7 @@
       </p:grpSpPr>
       <p:sp>
         <p:nvSpPr>
-          <p:cNvPr id="34848149" name="Title 1"/>
-          <p:cNvSpPr>
-            <a:spLocks noGrp="1"/>
-          </p:cNvSpPr>
-          <p:nvPr>
-            <p:ph type="title"/>
-          </p:nvPr>
-        </p:nvSpPr>
-        <p:spPr bwMode="auto">
-          <a:xfrm>
-            <a:off x="1981200" y="274638"/>
-            <a:ext cx="8229600" cy="868362"/>
-          </a:xfrm>
-        </p:spPr>
-        <p:txBody>
-          <a:bodyPr/>
-          <a:lstStyle/>
-          <a:p>
-            <a:pPr>
-              <a:defRPr/>
-            </a:pPr>
-            <a:endParaRPr lang="en-US">
-              <a:solidFill>
-                <a:srgbClr val="7030A0"/>
-              </a:solidFill>
-            </a:endParaRPr>
-          </a:p>
-        </p:txBody>
-      </p:sp>
-      <p:sp>
-        <p:nvSpPr>
-          <p:cNvPr id="698203034" name="Content Placeholder 2"/>
+          <p:cNvPr id="1022693839" name="Content Placeholder 2"/>
           <p:cNvSpPr>
             <a:spLocks noGrp="1"/>
           </p:cNvSpPr>
@@ -9320,7 +9325,7 @@
       </p:sp>
       <p:sp>
         <p:nvSpPr>
-          <p:cNvPr id="1085668523" name="Slide Number Placeholder 3"/>
+          <p:cNvPr id="905219678" name="Slide Number Placeholder 3"/>
           <p:cNvSpPr>
             <a:spLocks noGrp="1"/>
           </p:cNvSpPr>
@@ -9351,7 +9356,7 @@
       </p:sp>
       <p:sp>
         <p:nvSpPr>
-          <p:cNvPr id="319553552" name="TextBox 4"/>
+          <p:cNvPr id="1918811152" name="TextBox 4"/>
           <p:cNvSpPr txBox="1"/>
           <p:nvPr/>
         </p:nvSpPr>
@@ -9395,10 +9400,14 @@
   </p:clrMapOvr>
   <mc:AlternateContent xmlns:mc="http://schemas.openxmlformats.org/markup-compatibility/2006">
     <mc:Choice xmlns:p159="http://schemas.microsoft.com/office/powerpoint/2015/09/main" xmlns:p14="http://schemas.microsoft.com/office/powerpoint/2010/main" Requires="p159">
-      <p:transition p14:dur="2000" advClick="1"/>
+      <p:transition spd="slow" p14:dur="2000" advClick="1">
+        <p:fade thruBlk="1"/>
+      </p:transition>
     </mc:Choice>
     <mc:Fallback>
-      <p:transition advClick="1"/>
+      <p:transition spd="slow" advClick="1">
+        <p:fade thruBlk="1"/>
+      </p:transition>
     </mc:Fallback>
   </mc:AlternateContent>
 </p:sld>
@@ -9423,7 +9432,7 @@
       </p:grpSpPr>
       <p:sp>
         <p:nvSpPr>
-          <p:cNvPr id="169038222" name="Title 1"/>
+          <p:cNvPr id="900304472" name="Title 1"/>
           <p:cNvSpPr>
             <a:spLocks noGrp="1"/>
           </p:cNvSpPr>
@@ -9464,7 +9473,7 @@
       </p:sp>
       <p:sp>
         <p:nvSpPr>
-          <p:cNvPr id="997279660" name="Content Placeholder 2"/>
+          <p:cNvPr id="1792224241" name="Content Placeholder 2"/>
           <p:cNvSpPr>
             <a:spLocks noGrp="1"/>
           </p:cNvSpPr>
@@ -9669,7 +9678,7 @@
       </p:sp>
       <p:sp>
         <p:nvSpPr>
-          <p:cNvPr id="1520329976" name="Slide Number Placeholder 3"/>
+          <p:cNvPr id="742280821" name="Slide Number Placeholder 3"/>
           <p:cNvSpPr>
             <a:spLocks noGrp="1"/>
           </p:cNvSpPr>
@@ -9700,7 +9709,7 @@
       </p:sp>
       <p:sp>
         <p:nvSpPr>
-          <p:cNvPr id="546628721" name="TextBox 4"/>
+          <p:cNvPr id="683313327" name="TextBox 4"/>
           <p:cNvSpPr txBox="1"/>
           <p:nvPr/>
         </p:nvSpPr>
@@ -9744,10 +9753,14 @@
   </p:clrMapOvr>
   <mc:AlternateContent xmlns:mc="http://schemas.openxmlformats.org/markup-compatibility/2006">
     <mc:Choice xmlns:p159="http://schemas.microsoft.com/office/powerpoint/2015/09/main" xmlns:p14="http://schemas.microsoft.com/office/powerpoint/2010/main" Requires="p159">
-      <p:transition p14:dur="2000" advClick="1"/>
+      <p:transition spd="slow" p14:dur="2000" advClick="1">
+        <p:push dir="r"/>
+      </p:transition>
     </mc:Choice>
     <mc:Fallback>
-      <p:transition advClick="1"/>
+      <p:transition spd="slow" advClick="1">
+        <p:push dir="r"/>
+      </p:transition>
     </mc:Fallback>
   </mc:AlternateContent>
 </p:sld>
@@ -9772,7 +9785,7 @@
       </p:grpSpPr>
       <p:sp>
         <p:nvSpPr>
-          <p:cNvPr id="474670886" name="Title 1"/>
+          <p:cNvPr id="5767460" name="Title 1"/>
           <p:cNvSpPr>
             <a:spLocks noGrp="1"/>
           </p:cNvSpPr>
@@ -9813,7 +9826,7 @@
       </p:sp>
       <p:sp>
         <p:nvSpPr>
-          <p:cNvPr id="451970091" name="Slide Number Placeholder 3"/>
+          <p:cNvPr id="35731096" name="Slide Number Placeholder 3"/>
           <p:cNvSpPr>
             <a:spLocks noGrp="1"/>
           </p:cNvSpPr>
@@ -9844,7 +9857,7 @@
       </p:sp>
       <p:sp>
         <p:nvSpPr>
-          <p:cNvPr id="1303208367" name="TextBox 4"/>
+          <p:cNvPr id="595977534" name="TextBox 4"/>
           <p:cNvSpPr txBox="1"/>
           <p:nvPr/>
         </p:nvSpPr>
@@ -9883,7 +9896,7 @@
       </p:sp>
       <p:sp>
         <p:nvSpPr>
-          <p:cNvPr id="2059370691" name="TextBox 2"/>
+          <p:cNvPr id="1532349764" name="TextBox 2"/>
           <p:cNvSpPr txBox="1"/>
           <p:nvPr/>
         </p:nvSpPr>
@@ -9912,7 +9925,7 @@
       </p:sp>
       <p:sp>
         <p:nvSpPr>
-          <p:cNvPr id="1342277577" name="Content Placeholder 2"/>
+          <p:cNvPr id="402387587" name="Content Placeholder 2"/>
           <p:cNvSpPr>
             <a:spLocks noGrp="1"/>
           </p:cNvSpPr>
@@ -10045,10 +10058,14 @@
   </p:clrMapOvr>
   <mc:AlternateContent xmlns:mc="http://schemas.openxmlformats.org/markup-compatibility/2006">
     <mc:Choice xmlns:p159="http://schemas.microsoft.com/office/powerpoint/2015/09/main" xmlns:p14="http://schemas.microsoft.com/office/powerpoint/2010/main" Requires="p159">
-      <p:transition p14:dur="2000" advClick="1"/>
+      <p:transition spd="slow" p14:dur="2000" advClick="1">
+        <p:push dir="l"/>
+      </p:transition>
     </mc:Choice>
     <mc:Fallback>
-      <p:transition advClick="1"/>
+      <p:transition spd="slow" advClick="1">
+        <p:push dir="l"/>
+      </p:transition>
     </mc:Fallback>
   </mc:AlternateContent>
 </p:sld>
@@ -10073,7 +10090,7 @@
       </p:grpSpPr>
       <p:sp>
         <p:nvSpPr>
-          <p:cNvPr id="849032646" name="Title 1"/>
+          <p:cNvPr id="1858735872" name="Title 1"/>
           <p:cNvSpPr>
             <a:spLocks noGrp="1"/>
           </p:cNvSpPr>
@@ -10114,7 +10131,7 @@
       </p:sp>
       <p:sp>
         <p:nvSpPr>
-          <p:cNvPr id="144932885" name="Slide Number Placeholder 3"/>
+          <p:cNvPr id="722375612" name="Slide Number Placeholder 3"/>
           <p:cNvSpPr>
             <a:spLocks noGrp="1"/>
           </p:cNvSpPr>
@@ -10145,7 +10162,7 @@
       </p:sp>
       <p:sp>
         <p:nvSpPr>
-          <p:cNvPr id="2087205964" name="TextBox 4"/>
+          <p:cNvPr id="267528338" name="TextBox 4"/>
           <p:cNvSpPr txBox="1"/>
           <p:nvPr/>
         </p:nvSpPr>
@@ -10184,7 +10201,7 @@
       </p:sp>
       <p:sp>
         <p:nvSpPr>
-          <p:cNvPr id="1968768602" name="Content Placeholder 2"/>
+          <p:cNvPr id="2111033432" name="Content Placeholder 2"/>
           <p:cNvSpPr>
             <a:spLocks noGrp="1"/>
           </p:cNvSpPr>
@@ -10194,7 +10211,7 @@
         </p:nvSpPr>
         <p:spPr bwMode="auto">
           <a:xfrm>
-            <a:off x="822612" y="1480702"/>
+            <a:off x="822611" y="1480702"/>
             <a:ext cx="10287000" cy="3690379"/>
           </a:xfrm>
         </p:spPr>
@@ -10364,10 +10381,14 @@
   </p:clrMapOvr>
   <mc:AlternateContent xmlns:mc="http://schemas.openxmlformats.org/markup-compatibility/2006">
     <mc:Choice xmlns:p159="http://schemas.microsoft.com/office/powerpoint/2015/09/main" xmlns:p14="http://schemas.microsoft.com/office/powerpoint/2010/main" Requires="p159">
-      <p:transition p14:dur="2000" advClick="1"/>
+      <p:transition spd="slow" p14:dur="2000" advClick="1">
+        <p:wipe dir="d"/>
+      </p:transition>
     </mc:Choice>
     <mc:Fallback>
-      <p:transition advClick="1"/>
+      <p:transition spd="slow" advClick="1">
+        <p:wipe dir="d"/>
+      </p:transition>
     </mc:Fallback>
   </mc:AlternateContent>
 </p:sld>
@@ -10392,7 +10413,7 @@
       </p:grpSpPr>
       <p:sp>
         <p:nvSpPr>
-          <p:cNvPr id="587735878" name="Title 1"/>
+          <p:cNvPr id="1432289186" name="Title 1"/>
           <p:cNvSpPr>
             <a:spLocks noGrp="1"/>
           </p:cNvSpPr>
@@ -10433,7 +10454,7 @@
       </p:sp>
       <p:sp>
         <p:nvSpPr>
-          <p:cNvPr id="1048299313" name="Slide Number Placeholder 3"/>
+          <p:cNvPr id="1492313987" name="Slide Number Placeholder 3"/>
           <p:cNvSpPr>
             <a:spLocks noGrp="1"/>
           </p:cNvSpPr>
@@ -10464,7 +10485,7 @@
       </p:sp>
       <p:sp>
         <p:nvSpPr>
-          <p:cNvPr id="159948045" name="TextBox 5"/>
+          <p:cNvPr id="919591677" name="TextBox 5"/>
           <p:cNvSpPr txBox="1"/>
           <p:nvPr/>
         </p:nvSpPr>
@@ -10503,7 +10524,7 @@
       </p:sp>
       <p:graphicFrame>
         <p:nvGraphicFramePr>
-          <p:cNvPr id="1089587447" name="Table 4"/>
+          <p:cNvPr id="1770892397" name="Table 4"/>
           <p:cNvGraphicFramePr>
             <a:graphicFrameLocks xmlns:a="http://schemas.openxmlformats.org/drawingml/2006/main"/>
           </p:cNvGraphicFramePr>
@@ -10948,10 +10969,14 @@
   </p:clrMapOvr>
   <mc:AlternateContent xmlns:mc="http://schemas.openxmlformats.org/markup-compatibility/2006">
     <mc:Choice xmlns:p159="http://schemas.microsoft.com/office/powerpoint/2015/09/main" xmlns:p14="http://schemas.microsoft.com/office/powerpoint/2010/main" Requires="p159">
-      <p:transition p14:dur="2000" advClick="1"/>
+      <p:transition spd="slow" p14:dur="2000" advClick="1">
+        <p:wipe dir="u"/>
+      </p:transition>
     </mc:Choice>
     <mc:Fallback>
-      <p:transition advClick="1"/>
+      <p:transition spd="slow" advClick="1">
+        <p:wipe dir="u"/>
+      </p:transition>
     </mc:Fallback>
   </mc:AlternateContent>
 </p:sld>
@@ -10976,7 +11001,7 @@
       </p:grpSpPr>
       <p:sp>
         <p:nvSpPr>
-          <p:cNvPr id="288404348" name="Title 1"/>
+          <p:cNvPr id="775041030" name="Title 1"/>
           <p:cNvSpPr>
             <a:spLocks noGrp="1"/>
           </p:cNvSpPr>
@@ -11017,7 +11042,7 @@
       </p:sp>
       <p:sp>
         <p:nvSpPr>
-          <p:cNvPr id="285530775" name="Slide Number Placeholder 3"/>
+          <p:cNvPr id="1676780948" name="Slide Number Placeholder 3"/>
           <p:cNvSpPr>
             <a:spLocks noGrp="1"/>
           </p:cNvSpPr>
@@ -11048,7 +11073,7 @@
       </p:sp>
       <p:sp>
         <p:nvSpPr>
-          <p:cNvPr id="1118790824" name="TextBox 2"/>
+          <p:cNvPr id="899342717" name="TextBox 2"/>
           <p:cNvSpPr txBox="1"/>
           <p:nvPr/>
         </p:nvSpPr>
@@ -11087,7 +11112,7 @@
       </p:sp>
       <p:sp>
         <p:nvSpPr>
-          <p:cNvPr id="829606590" name="Content Placeholder 2"/>
+          <p:cNvPr id="103993280" name="Content Placeholder 2"/>
           <p:cNvSpPr>
             <a:spLocks noGrp="1"/>
           </p:cNvSpPr>
@@ -11187,10 +11212,14 @@
   </p:clrMapOvr>
   <mc:AlternateContent xmlns:mc="http://schemas.openxmlformats.org/markup-compatibility/2006">
     <mc:Choice xmlns:p159="http://schemas.microsoft.com/office/powerpoint/2015/09/main" xmlns:p14="http://schemas.microsoft.com/office/powerpoint/2010/main" Requires="p159">
-      <p:transition p14:dur="2000" advClick="1"/>
+      <p:transition spd="slow" p14:dur="2000" advClick="1">
+        <p:split orient="vert" dir="in"/>
+      </p:transition>
     </mc:Choice>
     <mc:Fallback>
-      <p:transition advClick="1"/>
+      <p:transition spd="slow" advClick="1">
+        <p:split orient="vert" dir="in"/>
+      </p:transition>
     </mc:Fallback>
   </mc:AlternateContent>
 </p:sld>
@@ -11215,7 +11244,7 @@
       </p:grpSpPr>
       <p:sp>
         <p:nvSpPr>
-          <p:cNvPr id="1956272759" name="Title 1"/>
+          <p:cNvPr id="991918372" name="Title 1"/>
           <p:cNvSpPr>
             <a:spLocks noGrp="1"/>
           </p:cNvSpPr>
@@ -11256,7 +11285,7 @@
       </p:sp>
       <p:sp>
         <p:nvSpPr>
-          <p:cNvPr id="1303893527" name="Slide Number Placeholder 3"/>
+          <p:cNvPr id="577814232" name="Slide Number Placeholder 3"/>
           <p:cNvSpPr>
             <a:spLocks noGrp="1"/>
           </p:cNvSpPr>
@@ -11287,7 +11316,7 @@
       </p:sp>
       <p:sp>
         <p:nvSpPr>
-          <p:cNvPr id="19109681" name="TextBox 2"/>
+          <p:cNvPr id="150956991" name="TextBox 2"/>
           <p:cNvSpPr txBox="1"/>
           <p:nvPr/>
         </p:nvSpPr>
@@ -11326,7 +11355,7 @@
       </p:sp>
       <p:pic>
         <p:nvPicPr>
-          <p:cNvPr id="1844887736" name=""/>
+          <p:cNvPr id="1283796885" name=""/>
           <p:cNvPicPr>
             <a:picLocks noChangeAspect="1"/>
           </p:cNvPicPr>
@@ -11353,10 +11382,14 @@
   </p:clrMapOvr>
   <mc:AlternateContent xmlns:mc="http://schemas.openxmlformats.org/markup-compatibility/2006">
     <mc:Choice xmlns:p159="http://schemas.microsoft.com/office/powerpoint/2015/09/main" xmlns:p14="http://schemas.microsoft.com/office/powerpoint/2010/main" Requires="p159">
-      <p:transition p14:dur="2000" advClick="1"/>
+      <p:transition spd="slow" p14:dur="2000" advClick="1">
+        <p:split orient="horz" dir="in"/>
+      </p:transition>
     </mc:Choice>
     <mc:Fallback>
-      <p:transition advClick="1"/>
+      <p:transition spd="slow" advClick="1">
+        <p:split orient="horz" dir="in"/>
+      </p:transition>
     </mc:Fallback>
   </mc:AlternateContent>
 </p:sld>
@@ -11381,7 +11414,7 @@
       </p:grpSpPr>
       <p:sp>
         <p:nvSpPr>
-          <p:cNvPr id="705755786" name="Title 1"/>
+          <p:cNvPr id="570256812" name="Title 1"/>
           <p:cNvSpPr>
             <a:spLocks noGrp="1"/>
           </p:cNvSpPr>
@@ -11422,7 +11455,7 @@
       </p:sp>
       <p:sp>
         <p:nvSpPr>
-          <p:cNvPr id="940595470" name="Slide Number Placeholder 3"/>
+          <p:cNvPr id="1407740327" name="Slide Number Placeholder 3"/>
           <p:cNvSpPr>
             <a:spLocks noGrp="1"/>
           </p:cNvSpPr>
@@ -11453,7 +11486,7 @@
       </p:sp>
       <p:sp>
         <p:nvSpPr>
-          <p:cNvPr id="1975705191" name="TextBox 2"/>
+          <p:cNvPr id="1490515437" name="TextBox 2"/>
           <p:cNvSpPr txBox="1"/>
           <p:nvPr/>
         </p:nvSpPr>
@@ -11492,7 +11525,7 @@
       </p:sp>
       <p:graphicFrame>
         <p:nvGraphicFramePr>
-          <p:cNvPr id="308729750" name="Table 4"/>
+          <p:cNvPr id="603298251" name="Table 4"/>
           <p:cNvGraphicFramePr>
             <a:graphicFrameLocks xmlns:a="http://schemas.openxmlformats.org/drawingml/2006/main"/>
           </p:cNvGraphicFramePr>
@@ -11500,7 +11533,7 @@
         </p:nvGraphicFramePr>
         <p:xfrm rot="0">
           <a:off x="2706831" y="1371600"/>
-          <a:ext cx="6948939" cy="4193715"/>
+          <a:ext cx="6948939" cy="4193714"/>
         </p:xfrm>
         <a:graphic>
           <a:graphicData uri="http://schemas.openxmlformats.org/drawingml/2006/table">
@@ -12122,10 +12155,14 @@
   </p:clrMapOvr>
   <mc:AlternateContent xmlns:mc="http://schemas.openxmlformats.org/markup-compatibility/2006">
     <mc:Choice xmlns:p159="http://schemas.microsoft.com/office/powerpoint/2015/09/main" xmlns:p14="http://schemas.microsoft.com/office/powerpoint/2010/main" Requires="p159">
-      <p:transition p14:dur="2000" advClick="1"/>
+      <p:transition spd="slow" p14:dur="2000" advClick="1">
+        <p:pull dir="r"/>
+      </p:transition>
     </mc:Choice>
     <mc:Fallback>
-      <p:transition advClick="1"/>
+      <p:transition spd="slow" advClick="1">
+        <p:pull dir="r"/>
+      </p:transition>
     </mc:Fallback>
   </mc:AlternateContent>
 </p:sld>
@@ -12150,7 +12187,7 @@
       </p:grpSpPr>
       <p:sp>
         <p:nvSpPr>
-          <p:cNvPr id="1085882604" name="Title 1"/>
+          <p:cNvPr id="245102215" name="Title 1"/>
           <p:cNvSpPr>
             <a:spLocks noGrp="1"/>
           </p:cNvSpPr>
@@ -12191,7 +12228,7 @@
       </p:sp>
       <p:sp>
         <p:nvSpPr>
-          <p:cNvPr id="1560048098" name="Slide Number Placeholder 3"/>
+          <p:cNvPr id="963100115" name="Slide Number Placeholder 3"/>
           <p:cNvSpPr>
             <a:spLocks noGrp="1"/>
           </p:cNvSpPr>
@@ -12222,7 +12259,7 @@
       </p:sp>
       <p:sp>
         <p:nvSpPr>
-          <p:cNvPr id="322823646" name="TextBox 4"/>
+          <p:cNvPr id="329593892" name="TextBox 4"/>
           <p:cNvSpPr txBox="1"/>
           <p:nvPr/>
         </p:nvSpPr>
@@ -12261,7 +12298,7 @@
       </p:sp>
       <p:pic>
         <p:nvPicPr>
-          <p:cNvPr id="1916899109" name=""/>
+          <p:cNvPr id="1595515479" name=""/>
           <p:cNvPicPr>
             <a:picLocks noChangeAspect="1"/>
           </p:cNvPicPr>
@@ -12291,7 +12328,7 @@
       </p:pic>
       <p:pic>
         <p:nvPicPr>
-          <p:cNvPr id="2058536642" name=""/>
+          <p:cNvPr id="1771337418" name=""/>
           <p:cNvPicPr>
             <a:picLocks noChangeAspect="1"/>
           </p:cNvPicPr>
@@ -12326,10 +12363,14 @@
   </p:clrMapOvr>
   <mc:AlternateContent xmlns:mc="http://schemas.openxmlformats.org/markup-compatibility/2006">
     <mc:Choice xmlns:p159="http://schemas.microsoft.com/office/powerpoint/2015/09/main" xmlns:p14="http://schemas.microsoft.com/office/powerpoint/2010/main" Requires="p159">
-      <p:transition p14:dur="2000" advClick="1"/>
+      <p:transition spd="slow" p14:dur="2000" advClick="1">
+        <p:cover dir="l"/>
+      </p:transition>
     </mc:Choice>
     <mc:Fallback>
-      <p:transition advClick="1"/>
+      <p:transition spd="slow" advClick="1">
+        <p:cover dir="l"/>
+      </p:transition>
     </mc:Fallback>
   </mc:AlternateContent>
 </p:sld>
